--- a/Waxing_Ver_02_Documents/02_Specification/03_DataBase Design Document/Database_ERDiagram.pptx
+++ b/Waxing_Ver_02_Documents/02_Specification/03_DataBase Design Document/Database_ERDiagram.pptx
@@ -6,6 +6,7 @@
   </p:sldMasterIdLst>
   <p:sldIdLst>
     <p:sldId id="256" r:id="rId2"/>
+    <p:sldId id="257" r:id="rId3"/>
   </p:sldIdLst>
   <p:sldSz cx="9144000" cy="6858000" type="screen4x3"/>
   <p:notesSz cx="6858000" cy="9144000"/>
@@ -288,7 +289,7 @@
           <a:p>
             <a:fld id="{E90ED720-0104-4369-84BC-D37694168613}" type="datetimeFigureOut">
               <a:rPr kumimoji="1" lang="ja-JP" altLang="en-US" smtClean="0"/>
-              <a:t>2018/5/1</a:t>
+              <a:t>2018/5/2</a:t>
             </a:fld>
             <a:endParaRPr kumimoji="1" lang="ja-JP" altLang="en-US"/>
           </a:p>
@@ -485,7 +486,7 @@
           <a:p>
             <a:fld id="{E90ED720-0104-4369-84BC-D37694168613}" type="datetimeFigureOut">
               <a:rPr kumimoji="1" lang="ja-JP" altLang="en-US" smtClean="0"/>
-              <a:t>2018/5/1</a:t>
+              <a:t>2018/5/2</a:t>
             </a:fld>
             <a:endParaRPr kumimoji="1" lang="ja-JP" altLang="en-US"/>
           </a:p>
@@ -692,7 +693,7 @@
           <a:p>
             <a:fld id="{E90ED720-0104-4369-84BC-D37694168613}" type="datetimeFigureOut">
               <a:rPr kumimoji="1" lang="ja-JP" altLang="en-US" smtClean="0"/>
-              <a:t>2018/5/1</a:t>
+              <a:t>2018/5/2</a:t>
             </a:fld>
             <a:endParaRPr kumimoji="1" lang="ja-JP" altLang="en-US"/>
           </a:p>
@@ -889,7 +890,7 @@
           <a:p>
             <a:fld id="{E90ED720-0104-4369-84BC-D37694168613}" type="datetimeFigureOut">
               <a:rPr kumimoji="1" lang="ja-JP" altLang="en-US" smtClean="0"/>
-              <a:t>2018/5/1</a:t>
+              <a:t>2018/5/2</a:t>
             </a:fld>
             <a:endParaRPr kumimoji="1" lang="ja-JP" altLang="en-US"/>
           </a:p>
@@ -1130,7 +1131,7 @@
           <a:p>
             <a:fld id="{E90ED720-0104-4369-84BC-D37694168613}" type="datetimeFigureOut">
               <a:rPr kumimoji="1" lang="ja-JP" altLang="en-US" smtClean="0"/>
-              <a:t>2018/5/1</a:t>
+              <a:t>2018/5/2</a:t>
             </a:fld>
             <a:endParaRPr kumimoji="1" lang="ja-JP" altLang="en-US"/>
           </a:p>
@@ -1477,7 +1478,7 @@
           <a:p>
             <a:fld id="{E90ED720-0104-4369-84BC-D37694168613}" type="datetimeFigureOut">
               <a:rPr kumimoji="1" lang="ja-JP" altLang="en-US" smtClean="0"/>
-              <a:t>2018/5/1</a:t>
+              <a:t>2018/5/2</a:t>
             </a:fld>
             <a:endParaRPr kumimoji="1" lang="ja-JP" altLang="en-US"/>
           </a:p>
@@ -1958,7 +1959,7 @@
           <a:p>
             <a:fld id="{E90ED720-0104-4369-84BC-D37694168613}" type="datetimeFigureOut">
               <a:rPr kumimoji="1" lang="ja-JP" altLang="en-US" smtClean="0"/>
-              <a:t>2018/5/1</a:t>
+              <a:t>2018/5/2</a:t>
             </a:fld>
             <a:endParaRPr kumimoji="1" lang="ja-JP" altLang="en-US"/>
           </a:p>
@@ -2071,7 +2072,7 @@
           <a:p>
             <a:fld id="{E90ED720-0104-4369-84BC-D37694168613}" type="datetimeFigureOut">
               <a:rPr kumimoji="1" lang="ja-JP" altLang="en-US" smtClean="0"/>
-              <a:t>2018/5/1</a:t>
+              <a:t>2018/5/2</a:t>
             </a:fld>
             <a:endParaRPr kumimoji="1" lang="ja-JP" altLang="en-US"/>
           </a:p>
@@ -2161,7 +2162,7 @@
           <a:p>
             <a:fld id="{E90ED720-0104-4369-84BC-D37694168613}" type="datetimeFigureOut">
               <a:rPr kumimoji="1" lang="ja-JP" altLang="en-US" smtClean="0"/>
-              <a:t>2018/5/1</a:t>
+              <a:t>2018/5/2</a:t>
             </a:fld>
             <a:endParaRPr kumimoji="1" lang="ja-JP" altLang="en-US"/>
           </a:p>
@@ -2465,7 +2466,7 @@
           <a:p>
             <a:fld id="{E90ED720-0104-4369-84BC-D37694168613}" type="datetimeFigureOut">
               <a:rPr kumimoji="1" lang="ja-JP" altLang="en-US" smtClean="0"/>
-              <a:t>2018/5/1</a:t>
+              <a:t>2018/5/2</a:t>
             </a:fld>
             <a:endParaRPr kumimoji="1" lang="ja-JP" altLang="en-US"/>
           </a:p>
@@ -2713,7 +2714,7 @@
           <a:p>
             <a:fld id="{E90ED720-0104-4369-84BC-D37694168613}" type="datetimeFigureOut">
               <a:rPr kumimoji="1" lang="ja-JP" altLang="en-US" smtClean="0"/>
-              <a:t>2018/5/1</a:t>
+              <a:t>2018/5/2</a:t>
             </a:fld>
             <a:endParaRPr kumimoji="1" lang="ja-JP" altLang="en-US"/>
           </a:p>
@@ -2953,7 +2954,7 @@
           <a:p>
             <a:fld id="{E90ED720-0104-4369-84BC-D37694168613}" type="datetimeFigureOut">
               <a:rPr kumimoji="1" lang="ja-JP" altLang="en-US" smtClean="0"/>
-              <a:t>2018/5/1</a:t>
+              <a:t>2018/5/2</a:t>
             </a:fld>
             <a:endParaRPr kumimoji="1" lang="ja-JP" altLang="en-US"/>
           </a:p>
@@ -3332,13 +3333,13 @@
           <p:nvPr>
             <p:extLst>
               <p:ext uri="{D42A27DB-BD31-4B8C-83A1-F6EECF244321}">
-                <p14:modId xmlns:p14="http://schemas.microsoft.com/office/powerpoint/2010/main" val="3578227898"/>
+                <p14:modId xmlns:p14="http://schemas.microsoft.com/office/powerpoint/2010/main" val="1250649710"/>
               </p:ext>
             </p:extLst>
           </p:nvPr>
         </p:nvGraphicFramePr>
         <p:xfrm>
-          <a:off x="-7813376" y="-1179512"/>
+          <a:off x="-7885384" y="-1014076"/>
           <a:ext cx="6096000" cy="3601720"/>
         </p:xfrm>
         <a:graphic>
@@ -3982,13 +3983,13 @@
           <p:nvPr>
             <p:extLst>
               <p:ext uri="{D42A27DB-BD31-4B8C-83A1-F6EECF244321}">
-                <p14:modId xmlns:p14="http://schemas.microsoft.com/office/powerpoint/2010/main" val="217815931"/>
+                <p14:modId xmlns:p14="http://schemas.microsoft.com/office/powerpoint/2010/main" val="308590458"/>
               </p:ext>
             </p:extLst>
           </p:nvPr>
         </p:nvGraphicFramePr>
         <p:xfrm>
-          <a:off x="-3254036" y="-5119672"/>
+          <a:off x="-7885384" y="-5119672"/>
           <a:ext cx="6096000" cy="2860040"/>
         </p:xfrm>
         <a:graphic>
@@ -4472,13 +4473,13 @@
           <p:nvPr>
             <p:extLst>
               <p:ext uri="{D42A27DB-BD31-4B8C-83A1-F6EECF244321}">
-                <p14:modId xmlns:p14="http://schemas.microsoft.com/office/powerpoint/2010/main" val="2208710303"/>
+                <p14:modId xmlns:p14="http://schemas.microsoft.com/office/powerpoint/2010/main" val="2029399024"/>
               </p:ext>
             </p:extLst>
           </p:nvPr>
         </p:nvGraphicFramePr>
         <p:xfrm>
-          <a:off x="-7885384" y="3423370"/>
+          <a:off x="-7885384" y="3833201"/>
           <a:ext cx="6096000" cy="2590800"/>
         </p:xfrm>
         <a:graphic>
@@ -4980,13 +4981,13 @@
           <p:nvPr>
             <p:extLst>
               <p:ext uri="{D42A27DB-BD31-4B8C-83A1-F6EECF244321}">
-                <p14:modId xmlns:p14="http://schemas.microsoft.com/office/powerpoint/2010/main" val="4048372929"/>
+                <p14:modId xmlns:p14="http://schemas.microsoft.com/office/powerpoint/2010/main" val="139849948"/>
               </p:ext>
             </p:extLst>
           </p:nvPr>
         </p:nvGraphicFramePr>
         <p:xfrm>
-          <a:off x="0" y="-23564"/>
+          <a:off x="-241172" y="-692870"/>
           <a:ext cx="6096000" cy="2959308"/>
         </p:xfrm>
         <a:graphic>
@@ -5593,13 +5594,13 @@
           <p:nvPr>
             <p:extLst>
               <p:ext uri="{D42A27DB-BD31-4B8C-83A1-F6EECF244321}">
-                <p14:modId xmlns:p14="http://schemas.microsoft.com/office/powerpoint/2010/main" val="1598455911"/>
+                <p14:modId xmlns:p14="http://schemas.microsoft.com/office/powerpoint/2010/main" val="832926539"/>
               </p:ext>
             </p:extLst>
           </p:nvPr>
         </p:nvGraphicFramePr>
         <p:xfrm>
-          <a:off x="-1116632" y="3861048"/>
+          <a:off x="-241172" y="3833201"/>
           <a:ext cx="6096000" cy="2219960"/>
         </p:xfrm>
         <a:graphic>
@@ -6018,13 +6019,13 @@
           <p:nvPr>
             <p:extLst>
               <p:ext uri="{D42A27DB-BD31-4B8C-83A1-F6EECF244321}">
-                <p14:modId xmlns:p14="http://schemas.microsoft.com/office/powerpoint/2010/main" val="3570821819"/>
+                <p14:modId xmlns:p14="http://schemas.microsoft.com/office/powerpoint/2010/main" val="926194798"/>
               </p:ext>
             </p:extLst>
           </p:nvPr>
         </p:nvGraphicFramePr>
         <p:xfrm>
-          <a:off x="7298659" y="2504440"/>
+          <a:off x="7028973" y="-137776"/>
           <a:ext cx="6096000" cy="1849120"/>
         </p:xfrm>
         <a:graphic>
@@ -6365,13 +6366,13 @@
           <p:nvPr>
             <p:extLst>
               <p:ext uri="{D42A27DB-BD31-4B8C-83A1-F6EECF244321}">
-                <p14:modId xmlns:p14="http://schemas.microsoft.com/office/powerpoint/2010/main" val="3720884223"/>
+                <p14:modId xmlns:p14="http://schemas.microsoft.com/office/powerpoint/2010/main" val="2494790951"/>
               </p:ext>
             </p:extLst>
           </p:nvPr>
         </p:nvGraphicFramePr>
         <p:xfrm>
-          <a:off x="3995936" y="-5211960"/>
+          <a:off x="-241172" y="-5119672"/>
           <a:ext cx="6096000" cy="3703320"/>
         </p:xfrm>
         <a:graphic>
@@ -7081,13 +7082,13 @@
           <p:nvPr>
             <p:extLst>
               <p:ext uri="{D42A27DB-BD31-4B8C-83A1-F6EECF244321}">
-                <p14:modId xmlns:p14="http://schemas.microsoft.com/office/powerpoint/2010/main" val="4258613872"/>
+                <p14:modId xmlns:p14="http://schemas.microsoft.com/office/powerpoint/2010/main" val="3060142532"/>
               </p:ext>
             </p:extLst>
           </p:nvPr>
         </p:nvGraphicFramePr>
         <p:xfrm>
-          <a:off x="12517560" y="-4419872"/>
+          <a:off x="7028973" y="-5119672"/>
           <a:ext cx="6096000" cy="2590800"/>
         </p:xfrm>
         <a:graphic>
@@ -7568,13 +7569,13 @@
           <p:nvPr>
             <p:extLst>
               <p:ext uri="{D42A27DB-BD31-4B8C-83A1-F6EECF244321}">
-                <p14:modId xmlns:p14="http://schemas.microsoft.com/office/powerpoint/2010/main" val="2172875256"/>
+                <p14:modId xmlns:p14="http://schemas.microsoft.com/office/powerpoint/2010/main" val="467401578"/>
               </p:ext>
             </p:extLst>
           </p:nvPr>
         </p:nvGraphicFramePr>
         <p:xfrm>
-          <a:off x="10707751" y="-311061"/>
+          <a:off x="7028973" y="3833201"/>
           <a:ext cx="6096000" cy="1478280"/>
         </p:xfrm>
         <a:graphic>
@@ -8026,7 +8027,7 @@
         </p:nvGrpSpPr>
         <p:grpSpPr>
           <a:xfrm>
-            <a:off x="10090024" y="-3358803"/>
+            <a:off x="9764001" y="-2175104"/>
             <a:ext cx="2438030" cy="579854"/>
             <a:chOff x="10090024" y="-3358803"/>
             <a:chExt cx="2438030" cy="579854"/>
@@ -8830,386 +8831,6 @@
       </p:grpSp>
       <p:grpSp>
         <p:nvGrpSpPr>
-          <p:cNvPr id="121" name="그룹 120"/>
-          <p:cNvGrpSpPr/>
-          <p:nvPr/>
-        </p:nvGrpSpPr>
-        <p:grpSpPr>
-          <a:xfrm>
-            <a:off x="-2613830" y="-2248893"/>
-            <a:ext cx="531056" cy="1065139"/>
-            <a:chOff x="-2613830" y="-2248893"/>
-            <a:chExt cx="531056" cy="1065139"/>
-          </a:xfrm>
-        </p:grpSpPr>
-        <p:cxnSp>
-          <p:nvCxnSpPr>
-            <p:cNvPr id="87" name="직선 연결선 86"/>
-            <p:cNvCxnSpPr/>
-            <p:nvPr/>
-          </p:nvCxnSpPr>
-          <p:spPr>
-            <a:xfrm rot="1161712">
-              <a:off x="-2351030" y="-2248893"/>
-              <a:ext cx="0" cy="1065139"/>
-            </a:xfrm>
-            <a:prstGeom prst="line">
-              <a:avLst/>
-            </a:prstGeom>
-            <a:ln w="28575">
-              <a:solidFill>
-                <a:srgbClr val="FF0000"/>
-              </a:solidFill>
-            </a:ln>
-          </p:spPr>
-          <p:style>
-            <a:lnRef idx="1">
-              <a:schemeClr val="accent1"/>
-            </a:lnRef>
-            <a:fillRef idx="0">
-              <a:schemeClr val="accent1"/>
-            </a:fillRef>
-            <a:effectRef idx="0">
-              <a:schemeClr val="accent1"/>
-            </a:effectRef>
-            <a:fontRef idx="minor">
-              <a:schemeClr val="tx1"/>
-            </a:fontRef>
-          </p:style>
-        </p:cxnSp>
-        <p:cxnSp>
-          <p:nvCxnSpPr>
-            <p:cNvPr id="88" name="직선 연결선 87"/>
-            <p:cNvCxnSpPr/>
-            <p:nvPr/>
-          </p:nvCxnSpPr>
-          <p:spPr>
-            <a:xfrm rot="1161712">
-              <a:off x="-2613830" y="-1318694"/>
-              <a:ext cx="252270" cy="0"/>
-            </a:xfrm>
-            <a:prstGeom prst="line">
-              <a:avLst/>
-            </a:prstGeom>
-            <a:ln w="28575">
-              <a:solidFill>
-                <a:srgbClr val="FF0000"/>
-              </a:solidFill>
-            </a:ln>
-          </p:spPr>
-          <p:style>
-            <a:lnRef idx="1">
-              <a:schemeClr val="accent1"/>
-            </a:lnRef>
-            <a:fillRef idx="0">
-              <a:schemeClr val="accent1"/>
-            </a:fillRef>
-            <a:effectRef idx="0">
-              <a:schemeClr val="accent1"/>
-            </a:effectRef>
-            <a:fontRef idx="minor">
-              <a:schemeClr val="tx1"/>
-            </a:fontRef>
-          </p:style>
-        </p:cxnSp>
-        <p:cxnSp>
-          <p:nvCxnSpPr>
-            <p:cNvPr id="89" name="직선 연결선 88"/>
-            <p:cNvCxnSpPr/>
-            <p:nvPr/>
-          </p:nvCxnSpPr>
-          <p:spPr>
-            <a:xfrm rot="1161712">
-              <a:off x="-2335044" y="-2112035"/>
-              <a:ext cx="252270" cy="0"/>
-            </a:xfrm>
-            <a:prstGeom prst="line">
-              <a:avLst/>
-            </a:prstGeom>
-            <a:ln w="28575">
-              <a:solidFill>
-                <a:srgbClr val="FF0000"/>
-              </a:solidFill>
-            </a:ln>
-          </p:spPr>
-          <p:style>
-            <a:lnRef idx="1">
-              <a:schemeClr val="accent1"/>
-            </a:lnRef>
-            <a:fillRef idx="0">
-              <a:schemeClr val="accent1"/>
-            </a:fillRef>
-            <a:effectRef idx="0">
-              <a:schemeClr val="accent1"/>
-            </a:effectRef>
-            <a:fontRef idx="minor">
-              <a:schemeClr val="tx1"/>
-            </a:fontRef>
-          </p:style>
-        </p:cxnSp>
-        <p:cxnSp>
-          <p:nvCxnSpPr>
-            <p:cNvPr id="90" name="직선 연결선 89"/>
-            <p:cNvCxnSpPr/>
-            <p:nvPr/>
-          </p:nvCxnSpPr>
-          <p:spPr>
-            <a:xfrm rot="1161712" flipV="1">
-              <a:off x="-2200076" y="-2180766"/>
-              <a:ext cx="84090" cy="84090"/>
-            </a:xfrm>
-            <a:prstGeom prst="line">
-              <a:avLst/>
-            </a:prstGeom>
-            <a:ln w="28575">
-              <a:solidFill>
-                <a:srgbClr val="FF0000"/>
-              </a:solidFill>
-            </a:ln>
-          </p:spPr>
-          <p:style>
-            <a:lnRef idx="1">
-              <a:schemeClr val="accent1"/>
-            </a:lnRef>
-            <a:fillRef idx="0">
-              <a:schemeClr val="accent1"/>
-            </a:fillRef>
-            <a:effectRef idx="0">
-              <a:schemeClr val="accent1"/>
-            </a:effectRef>
-            <a:fontRef idx="minor">
-              <a:schemeClr val="tx1"/>
-            </a:fontRef>
-          </p:style>
-        </p:cxnSp>
-        <p:cxnSp>
-          <p:nvCxnSpPr>
-            <p:cNvPr id="91" name="직선 연결선 90"/>
-            <p:cNvCxnSpPr/>
-            <p:nvPr/>
-          </p:nvCxnSpPr>
-          <p:spPr>
-            <a:xfrm rot="1161712">
-              <a:off x="-2280950" y="-2209186"/>
-              <a:ext cx="84090" cy="84090"/>
-            </a:xfrm>
-            <a:prstGeom prst="line">
-              <a:avLst/>
-            </a:prstGeom>
-            <a:ln w="28575">
-              <a:solidFill>
-                <a:srgbClr val="FF0000"/>
-              </a:solidFill>
-            </a:ln>
-          </p:spPr>
-          <p:style>
-            <a:lnRef idx="1">
-              <a:schemeClr val="accent1"/>
-            </a:lnRef>
-            <a:fillRef idx="0">
-              <a:schemeClr val="accent1"/>
-            </a:fillRef>
-            <a:effectRef idx="0">
-              <a:schemeClr val="accent1"/>
-            </a:effectRef>
-            <a:fontRef idx="minor">
-              <a:schemeClr val="tx1"/>
-            </a:fontRef>
-          </p:style>
-        </p:cxnSp>
-      </p:grpSp>
-      <p:grpSp>
-        <p:nvGrpSpPr>
-          <p:cNvPr id="122" name="그룹 121"/>
-          <p:cNvGrpSpPr/>
-          <p:nvPr/>
-        </p:nvGrpSpPr>
-        <p:grpSpPr>
-          <a:xfrm>
-            <a:off x="-1692696" y="1196753"/>
-            <a:ext cx="1622290" cy="384227"/>
-            <a:chOff x="-1692696" y="1196753"/>
-            <a:chExt cx="1622290" cy="384227"/>
-          </a:xfrm>
-        </p:grpSpPr>
-        <p:cxnSp>
-          <p:nvCxnSpPr>
-            <p:cNvPr id="93" name="직선 연결선 92"/>
-            <p:cNvCxnSpPr/>
-            <p:nvPr/>
-          </p:nvCxnSpPr>
-          <p:spPr>
-            <a:xfrm rot="16200000">
-              <a:off x="-881551" y="582126"/>
-              <a:ext cx="0" cy="1622290"/>
-            </a:xfrm>
-            <a:prstGeom prst="line">
-              <a:avLst/>
-            </a:prstGeom>
-            <a:ln w="28575">
-              <a:solidFill>
-                <a:srgbClr val="FF0000"/>
-              </a:solidFill>
-            </a:ln>
-          </p:spPr>
-          <p:style>
-            <a:lnRef idx="1">
-              <a:schemeClr val="accent1"/>
-            </a:lnRef>
-            <a:fillRef idx="0">
-              <a:schemeClr val="accent1"/>
-            </a:fillRef>
-            <a:effectRef idx="0">
-              <a:schemeClr val="accent1"/>
-            </a:effectRef>
-            <a:fontRef idx="minor">
-              <a:schemeClr val="tx1"/>
-            </a:fontRef>
-          </p:style>
-        </p:cxnSp>
-        <p:cxnSp>
-          <p:nvCxnSpPr>
-            <p:cNvPr id="94" name="직선 연결선 93"/>
-            <p:cNvCxnSpPr/>
-            <p:nvPr/>
-          </p:nvCxnSpPr>
-          <p:spPr>
-            <a:xfrm rot="16200000">
-              <a:off x="-433286" y="1388867"/>
-              <a:ext cx="384227" cy="0"/>
-            </a:xfrm>
-            <a:prstGeom prst="line">
-              <a:avLst/>
-            </a:prstGeom>
-            <a:ln w="28575">
-              <a:solidFill>
-                <a:srgbClr val="FF0000"/>
-              </a:solidFill>
-            </a:ln>
-          </p:spPr>
-          <p:style>
-            <a:lnRef idx="1">
-              <a:schemeClr val="accent1"/>
-            </a:lnRef>
-            <a:fillRef idx="0">
-              <a:schemeClr val="accent1"/>
-            </a:fillRef>
-            <a:effectRef idx="0">
-              <a:schemeClr val="accent1"/>
-            </a:effectRef>
-            <a:fontRef idx="minor">
-              <a:schemeClr val="tx1"/>
-            </a:fontRef>
-          </p:style>
-        </p:cxnSp>
-        <p:cxnSp>
-          <p:nvCxnSpPr>
-            <p:cNvPr id="95" name="직선 연결선 94"/>
-            <p:cNvCxnSpPr/>
-            <p:nvPr/>
-          </p:nvCxnSpPr>
-          <p:spPr>
-            <a:xfrm rot="16200000">
-              <a:off x="-1714042" y="1388867"/>
-              <a:ext cx="384227" cy="0"/>
-            </a:xfrm>
-            <a:prstGeom prst="line">
-              <a:avLst/>
-            </a:prstGeom>
-            <a:ln w="28575">
-              <a:solidFill>
-                <a:srgbClr val="FF0000"/>
-              </a:solidFill>
-            </a:ln>
-          </p:spPr>
-          <p:style>
-            <a:lnRef idx="1">
-              <a:schemeClr val="accent1"/>
-            </a:lnRef>
-            <a:fillRef idx="0">
-              <a:schemeClr val="accent1"/>
-            </a:fillRef>
-            <a:effectRef idx="0">
-              <a:schemeClr val="accent1"/>
-            </a:effectRef>
-            <a:fontRef idx="minor">
-              <a:schemeClr val="tx1"/>
-            </a:fontRef>
-          </p:style>
-        </p:cxnSp>
-        <p:cxnSp>
-          <p:nvCxnSpPr>
-            <p:cNvPr id="96" name="직선 연결선 95"/>
-            <p:cNvCxnSpPr/>
-            <p:nvPr/>
-          </p:nvCxnSpPr>
-          <p:spPr>
-            <a:xfrm rot="16200000" flipV="1">
-              <a:off x="-1650004" y="1265196"/>
-              <a:ext cx="128076" cy="128076"/>
-            </a:xfrm>
-            <a:prstGeom prst="line">
-              <a:avLst/>
-            </a:prstGeom>
-            <a:ln w="28575">
-              <a:solidFill>
-                <a:srgbClr val="FF0000"/>
-              </a:solidFill>
-            </a:ln>
-          </p:spPr>
-          <p:style>
-            <a:lnRef idx="1">
-              <a:schemeClr val="accent1"/>
-            </a:lnRef>
-            <a:fillRef idx="0">
-              <a:schemeClr val="accent1"/>
-            </a:fillRef>
-            <a:effectRef idx="0">
-              <a:schemeClr val="accent1"/>
-            </a:effectRef>
-            <a:fontRef idx="minor">
-              <a:schemeClr val="tx1"/>
-            </a:fontRef>
-          </p:style>
-        </p:cxnSp>
-        <p:cxnSp>
-          <p:nvCxnSpPr>
-            <p:cNvPr id="97" name="직선 연결선 96"/>
-            <p:cNvCxnSpPr/>
-            <p:nvPr/>
-          </p:nvCxnSpPr>
-          <p:spPr>
-            <a:xfrm rot="16200000">
-              <a:off x="-1650004" y="1395757"/>
-              <a:ext cx="128076" cy="128076"/>
-            </a:xfrm>
-            <a:prstGeom prst="line">
-              <a:avLst/>
-            </a:prstGeom>
-            <a:ln w="28575">
-              <a:solidFill>
-                <a:srgbClr val="FF0000"/>
-              </a:solidFill>
-            </a:ln>
-          </p:spPr>
-          <p:style>
-            <a:lnRef idx="1">
-              <a:schemeClr val="accent1"/>
-            </a:lnRef>
-            <a:fillRef idx="0">
-              <a:schemeClr val="accent1"/>
-            </a:fillRef>
-            <a:effectRef idx="0">
-              <a:schemeClr val="accent1"/>
-            </a:effectRef>
-            <a:fontRef idx="minor">
-              <a:schemeClr val="tx1"/>
-            </a:fontRef>
-          </p:style>
-        </p:cxnSp>
-      </p:grpSp>
-      <p:grpSp>
-        <p:nvGrpSpPr>
           <p:cNvPr id="123" name="그룹 122"/>
           <p:cNvGrpSpPr/>
           <p:nvPr/>
@@ -9446,6 +9067,196 @@
           </a:p>
         </p:txBody>
       </p:sp>
+      <p:grpSp>
+        <p:nvGrpSpPr>
+          <p:cNvPr id="19" name="그룹 18"/>
+          <p:cNvGrpSpPr/>
+          <p:nvPr/>
+        </p:nvGrpSpPr>
+        <p:grpSpPr>
+          <a:xfrm>
+            <a:off x="-5005064" y="-2248263"/>
+            <a:ext cx="360040" cy="1224110"/>
+            <a:chOff x="-3125649" y="-2260963"/>
+            <a:chExt cx="360040" cy="1224110"/>
+          </a:xfrm>
+        </p:grpSpPr>
+        <p:cxnSp>
+          <p:nvCxnSpPr>
+            <p:cNvPr id="93" name="직선 연결선 92"/>
+            <p:cNvCxnSpPr/>
+            <p:nvPr/>
+          </p:nvCxnSpPr>
+          <p:spPr>
+            <a:xfrm>
+              <a:off x="-2949233" y="-2260963"/>
+              <a:ext cx="0" cy="1224110"/>
+            </a:xfrm>
+            <a:prstGeom prst="line">
+              <a:avLst/>
+            </a:prstGeom>
+            <a:ln w="28575">
+              <a:solidFill>
+                <a:srgbClr val="FF0000"/>
+              </a:solidFill>
+            </a:ln>
+          </p:spPr>
+          <p:style>
+            <a:lnRef idx="1">
+              <a:schemeClr val="accent1"/>
+            </a:lnRef>
+            <a:fillRef idx="0">
+              <a:schemeClr val="accent1"/>
+            </a:fillRef>
+            <a:effectRef idx="0">
+              <a:schemeClr val="accent1"/>
+            </a:effectRef>
+            <a:fontRef idx="minor">
+              <a:schemeClr val="tx1"/>
+            </a:fontRef>
+          </p:style>
+        </p:cxnSp>
+        <p:cxnSp>
+          <p:nvCxnSpPr>
+            <p:cNvPr id="95" name="직선 연결선 94"/>
+            <p:cNvCxnSpPr/>
+            <p:nvPr/>
+          </p:nvCxnSpPr>
+          <p:spPr>
+            <a:xfrm>
+              <a:off x="-3125649" y="-1179512"/>
+              <a:ext cx="352833" cy="0"/>
+            </a:xfrm>
+            <a:prstGeom prst="line">
+              <a:avLst/>
+            </a:prstGeom>
+            <a:ln w="28575">
+              <a:solidFill>
+                <a:srgbClr val="FF0000"/>
+              </a:solidFill>
+            </a:ln>
+          </p:spPr>
+          <p:style>
+            <a:lnRef idx="1">
+              <a:schemeClr val="accent1"/>
+            </a:lnRef>
+            <a:fillRef idx="0">
+              <a:schemeClr val="accent1"/>
+            </a:fillRef>
+            <a:effectRef idx="0">
+              <a:schemeClr val="accent1"/>
+            </a:effectRef>
+            <a:fontRef idx="minor">
+              <a:schemeClr val="tx1"/>
+            </a:fontRef>
+          </p:style>
+        </p:cxnSp>
+        <p:cxnSp>
+          <p:nvCxnSpPr>
+            <p:cNvPr id="96" name="직선 연결선 95"/>
+            <p:cNvCxnSpPr/>
+            <p:nvPr/>
+          </p:nvCxnSpPr>
+          <p:spPr>
+            <a:xfrm flipV="1">
+              <a:off x="-2949675" y="-2256000"/>
+              <a:ext cx="184066" cy="184066"/>
+            </a:xfrm>
+            <a:prstGeom prst="line">
+              <a:avLst/>
+            </a:prstGeom>
+            <a:ln w="28575">
+              <a:solidFill>
+                <a:srgbClr val="FF0000"/>
+              </a:solidFill>
+            </a:ln>
+          </p:spPr>
+          <p:style>
+            <a:lnRef idx="1">
+              <a:schemeClr val="accent1"/>
+            </a:lnRef>
+            <a:fillRef idx="0">
+              <a:schemeClr val="accent1"/>
+            </a:fillRef>
+            <a:effectRef idx="0">
+              <a:schemeClr val="accent1"/>
+            </a:effectRef>
+            <a:fontRef idx="minor">
+              <a:schemeClr val="tx1"/>
+            </a:fontRef>
+          </p:style>
+        </p:cxnSp>
+        <p:cxnSp>
+          <p:nvCxnSpPr>
+            <p:cNvPr id="97" name="직선 연결선 96"/>
+            <p:cNvCxnSpPr/>
+            <p:nvPr/>
+          </p:nvCxnSpPr>
+          <p:spPr>
+            <a:xfrm>
+              <a:off x="-3125649" y="-2246033"/>
+              <a:ext cx="174098" cy="174098"/>
+            </a:xfrm>
+            <a:prstGeom prst="line">
+              <a:avLst/>
+            </a:prstGeom>
+            <a:ln w="28575">
+              <a:solidFill>
+                <a:srgbClr val="FF0000"/>
+              </a:solidFill>
+            </a:ln>
+          </p:spPr>
+          <p:style>
+            <a:lnRef idx="1">
+              <a:schemeClr val="accent1"/>
+            </a:lnRef>
+            <a:fillRef idx="0">
+              <a:schemeClr val="accent1"/>
+            </a:fillRef>
+            <a:effectRef idx="0">
+              <a:schemeClr val="accent1"/>
+            </a:effectRef>
+            <a:fontRef idx="minor">
+              <a:schemeClr val="tx1"/>
+            </a:fontRef>
+          </p:style>
+        </p:cxnSp>
+        <p:cxnSp>
+          <p:nvCxnSpPr>
+            <p:cNvPr id="72" name="직선 연결선 71"/>
+            <p:cNvCxnSpPr/>
+            <p:nvPr/>
+          </p:nvCxnSpPr>
+          <p:spPr>
+            <a:xfrm>
+              <a:off x="-3125649" y="-2071815"/>
+              <a:ext cx="352833" cy="0"/>
+            </a:xfrm>
+            <a:prstGeom prst="line">
+              <a:avLst/>
+            </a:prstGeom>
+            <a:ln w="28575">
+              <a:solidFill>
+                <a:srgbClr val="FF0000"/>
+              </a:solidFill>
+            </a:ln>
+          </p:spPr>
+          <p:style>
+            <a:lnRef idx="1">
+              <a:schemeClr val="accent1"/>
+            </a:lnRef>
+            <a:fillRef idx="0">
+              <a:schemeClr val="accent1"/>
+            </a:fillRef>
+            <a:effectRef idx="0">
+              <a:schemeClr val="accent1"/>
+            </a:effectRef>
+            <a:fontRef idx="minor">
+              <a:schemeClr val="tx1"/>
+            </a:fontRef>
+          </p:style>
+        </p:cxnSp>
+      </p:grpSp>
     </p:spTree>
     <p:extLst>
       <p:ext uri="{BB962C8B-B14F-4D97-AF65-F5344CB8AC3E}">
@@ -9463,6 +9274,3238 @@
       </p:par>
     </p:tnLst>
   </p:timing>
+</p:sld>
+</file>
+
+<file path=ppt/slides/slide2.xml><?xml version="1.0" encoding="utf-8"?>
+<p:sld xmlns:a="http://schemas.openxmlformats.org/drawingml/2006/main" xmlns:r="http://schemas.openxmlformats.org/officeDocument/2006/relationships" xmlns:p="http://schemas.openxmlformats.org/presentationml/2006/main">
+  <p:cSld>
+    <p:spTree>
+      <p:nvGrpSpPr>
+        <p:cNvPr id="1" name=""/>
+        <p:cNvGrpSpPr/>
+        <p:nvPr/>
+      </p:nvGrpSpPr>
+      <p:grpSpPr>
+        <a:xfrm>
+          <a:off x="0" y="0"/>
+          <a:ext cx="0" cy="0"/>
+          <a:chOff x="0" y="0"/>
+          <a:chExt cx="0" cy="0"/>
+        </a:xfrm>
+      </p:grpSpPr>
+      <p:grpSp>
+        <p:nvGrpSpPr>
+          <p:cNvPr id="111" name="그룹 110"/>
+          <p:cNvGrpSpPr/>
+          <p:nvPr/>
+        </p:nvGrpSpPr>
+        <p:grpSpPr>
+          <a:xfrm>
+            <a:off x="-138570" y="980728"/>
+            <a:ext cx="4824994" cy="2376264"/>
+            <a:chOff x="-138570" y="980728"/>
+            <a:chExt cx="4824994" cy="2376264"/>
+          </a:xfrm>
+        </p:grpSpPr>
+        <p:sp>
+          <p:nvSpPr>
+            <p:cNvPr id="6" name="타원 5"/>
+            <p:cNvSpPr/>
+            <p:nvPr/>
+          </p:nvSpPr>
+          <p:spPr>
+            <a:xfrm>
+              <a:off x="-138570" y="1079678"/>
+              <a:ext cx="1638290" cy="599639"/>
+            </a:xfrm>
+            <a:prstGeom prst="ellipse">
+              <a:avLst/>
+            </a:prstGeom>
+            <a:solidFill>
+              <a:schemeClr val="tx2">
+                <a:lumMod val="75000"/>
+              </a:schemeClr>
+            </a:solidFill>
+            <a:ln>
+              <a:noFill/>
+            </a:ln>
+          </p:spPr>
+          <p:style>
+            <a:lnRef idx="2">
+              <a:schemeClr val="accent3">
+                <a:shade val="50000"/>
+              </a:schemeClr>
+            </a:lnRef>
+            <a:fillRef idx="1">
+              <a:schemeClr val="accent3"/>
+            </a:fillRef>
+            <a:effectRef idx="0">
+              <a:schemeClr val="accent3"/>
+            </a:effectRef>
+            <a:fontRef idx="minor">
+              <a:schemeClr val="lt1"/>
+            </a:fontRef>
+          </p:style>
+          <p:txBody>
+            <a:bodyPr rot="0" spcFirstLastPara="0" vertOverflow="overflow" horzOverflow="overflow" vert="horz" wrap="square" lIns="91440" tIns="45720" rIns="91440" bIns="45720" numCol="1" spcCol="0" rtlCol="0" fromWordArt="0" anchor="ctr" anchorCtr="0" forceAA="0" compatLnSpc="1">
+              <a:prstTxWarp prst="textNoShape">
+                <a:avLst/>
+              </a:prstTxWarp>
+              <a:noAutofit/>
+            </a:bodyPr>
+            <a:lstStyle/>
+            <a:p>
+              <a:pPr algn="ctr"/>
+              <a:r>
+                <a:rPr lang="en-US" altLang="ko-KR" dirty="0" smtClean="0">
+                  <a:ln w="18415" cmpd="sng">
+                    <a:solidFill>
+                      <a:srgbClr val="FFFFFF"/>
+                    </a:solidFill>
+                    <a:prstDash val="solid"/>
+                  </a:ln>
+                  <a:solidFill>
+                    <a:srgbClr val="FFFFFF"/>
+                  </a:solidFill>
+                  <a:effectLst>
+                    <a:outerShdw blurRad="63500" dir="3600000" algn="tl" rotWithShape="0">
+                      <a:srgbClr val="000000">
+                        <a:alpha val="70000"/>
+                      </a:srgbClr>
+                    </a:outerShdw>
+                  </a:effectLst>
+                </a:rPr>
+                <a:t>Password</a:t>
+              </a:r>
+              <a:endParaRPr lang="ko-KR" altLang="en-US" dirty="0" err="1" smtClean="0">
+                <a:ln w="18415" cmpd="sng">
+                  <a:solidFill>
+                    <a:srgbClr val="FFFFFF"/>
+                  </a:solidFill>
+                  <a:prstDash val="solid"/>
+                </a:ln>
+                <a:solidFill>
+                  <a:srgbClr val="FFFFFF"/>
+                </a:solidFill>
+                <a:effectLst>
+                  <a:outerShdw blurRad="63500" dir="3600000" algn="tl" rotWithShape="0">
+                    <a:srgbClr val="000000">
+                      <a:alpha val="70000"/>
+                    </a:srgbClr>
+                  </a:outerShdw>
+                </a:effectLst>
+              </a:endParaRPr>
+            </a:p>
+          </p:txBody>
+        </p:sp>
+        <p:sp>
+          <p:nvSpPr>
+            <p:cNvPr id="9" name="타원 8"/>
+            <p:cNvSpPr/>
+            <p:nvPr/>
+          </p:nvSpPr>
+          <p:spPr>
+            <a:xfrm>
+              <a:off x="717239" y="2757353"/>
+              <a:ext cx="1372818" cy="599639"/>
+            </a:xfrm>
+            <a:prstGeom prst="ellipse">
+              <a:avLst/>
+            </a:prstGeom>
+            <a:solidFill>
+              <a:schemeClr val="tx2">
+                <a:lumMod val="75000"/>
+              </a:schemeClr>
+            </a:solidFill>
+            <a:ln>
+              <a:noFill/>
+            </a:ln>
+          </p:spPr>
+          <p:style>
+            <a:lnRef idx="2">
+              <a:schemeClr val="accent3">
+                <a:shade val="50000"/>
+              </a:schemeClr>
+            </a:lnRef>
+            <a:fillRef idx="1">
+              <a:schemeClr val="accent3"/>
+            </a:fillRef>
+            <a:effectRef idx="0">
+              <a:schemeClr val="accent3"/>
+            </a:effectRef>
+            <a:fontRef idx="minor">
+              <a:schemeClr val="lt1"/>
+            </a:fontRef>
+          </p:style>
+          <p:txBody>
+            <a:bodyPr rot="0" spcFirstLastPara="0" vertOverflow="overflow" horzOverflow="overflow" vert="horz" wrap="square" lIns="91440" tIns="45720" rIns="91440" bIns="45720" numCol="1" spcCol="0" rtlCol="0" fromWordArt="0" anchor="ctr" anchorCtr="0" forceAA="0" compatLnSpc="1">
+              <a:prstTxWarp prst="textNoShape">
+                <a:avLst/>
+              </a:prstTxWarp>
+              <a:noAutofit/>
+            </a:bodyPr>
+            <a:lstStyle/>
+            <a:p>
+              <a:pPr algn="ctr"/>
+              <a:r>
+                <a:rPr lang="en-US" altLang="ko-KR" dirty="0" err="1" smtClean="0">
+                  <a:ln w="18415" cmpd="sng">
+                    <a:solidFill>
+                      <a:srgbClr val="FFFFFF"/>
+                    </a:solidFill>
+                    <a:prstDash val="solid"/>
+                  </a:ln>
+                  <a:solidFill>
+                    <a:srgbClr val="FFFFFF"/>
+                  </a:solidFill>
+                  <a:effectLst>
+                    <a:outerShdw blurRad="63500" dir="3600000" algn="tl" rotWithShape="0">
+                      <a:srgbClr val="000000">
+                        <a:alpha val="70000"/>
+                      </a:srgbClr>
+                    </a:outerShdw>
+                  </a:effectLst>
+                </a:rPr>
+                <a:t>Del_Flg</a:t>
+              </a:r>
+              <a:endParaRPr lang="ko-KR" altLang="en-US" dirty="0" err="1" smtClean="0">
+                <a:ln w="18415" cmpd="sng">
+                  <a:solidFill>
+                    <a:srgbClr val="FFFFFF"/>
+                  </a:solidFill>
+                  <a:prstDash val="solid"/>
+                </a:ln>
+                <a:solidFill>
+                  <a:srgbClr val="FFFFFF"/>
+                </a:solidFill>
+                <a:effectLst>
+                  <a:outerShdw blurRad="63500" dir="3600000" algn="tl" rotWithShape="0">
+                    <a:srgbClr val="000000">
+                      <a:alpha val="70000"/>
+                    </a:srgbClr>
+                  </a:outerShdw>
+                </a:effectLst>
+              </a:endParaRPr>
+            </a:p>
+          </p:txBody>
+        </p:sp>
+        <p:sp>
+          <p:nvSpPr>
+            <p:cNvPr id="11" name="타원 10"/>
+            <p:cNvSpPr/>
+            <p:nvPr/>
+          </p:nvSpPr>
+          <p:spPr>
+            <a:xfrm>
+              <a:off x="2879812" y="1079677"/>
+              <a:ext cx="1806612" cy="599639"/>
+            </a:xfrm>
+            <a:prstGeom prst="ellipse">
+              <a:avLst/>
+            </a:prstGeom>
+            <a:solidFill>
+              <a:schemeClr val="tx2">
+                <a:lumMod val="75000"/>
+              </a:schemeClr>
+            </a:solidFill>
+            <a:ln>
+              <a:noFill/>
+            </a:ln>
+          </p:spPr>
+          <p:style>
+            <a:lnRef idx="2">
+              <a:schemeClr val="accent3">
+                <a:shade val="50000"/>
+              </a:schemeClr>
+            </a:lnRef>
+            <a:fillRef idx="1">
+              <a:schemeClr val="accent3"/>
+            </a:fillRef>
+            <a:effectRef idx="0">
+              <a:schemeClr val="accent3"/>
+            </a:effectRef>
+            <a:fontRef idx="minor">
+              <a:schemeClr val="lt1"/>
+            </a:fontRef>
+          </p:style>
+          <p:txBody>
+            <a:bodyPr rot="0" spcFirstLastPara="0" vertOverflow="overflow" horzOverflow="overflow" vert="horz" wrap="square" lIns="91440" tIns="45720" rIns="91440" bIns="45720" numCol="1" spcCol="0" rtlCol="0" fromWordArt="0" anchor="ctr" anchorCtr="0" forceAA="0" compatLnSpc="1">
+              <a:prstTxWarp prst="textNoShape">
+                <a:avLst/>
+              </a:prstTxWarp>
+              <a:noAutofit/>
+            </a:bodyPr>
+            <a:lstStyle/>
+            <a:p>
+              <a:pPr algn="ctr"/>
+              <a:r>
+                <a:rPr lang="en-US" altLang="ko-KR" dirty="0" err="1" smtClean="0">
+                  <a:ln w="18415" cmpd="sng">
+                    <a:solidFill>
+                      <a:srgbClr val="FFFFFF"/>
+                    </a:solidFill>
+                    <a:prstDash val="solid"/>
+                  </a:ln>
+                  <a:solidFill>
+                    <a:srgbClr val="FFFFFF"/>
+                  </a:solidFill>
+                  <a:effectLst>
+                    <a:outerShdw blurRad="63500" dir="3600000" algn="tl" rotWithShape="0">
+                      <a:srgbClr val="000000">
+                        <a:alpha val="70000"/>
+                      </a:srgbClr>
+                    </a:outerShdw>
+                  </a:effectLst>
+                </a:rPr>
+                <a:t>Nick_name</a:t>
+              </a:r>
+              <a:endParaRPr lang="ko-KR" altLang="en-US" dirty="0" err="1" smtClean="0">
+                <a:ln w="18415" cmpd="sng">
+                  <a:solidFill>
+                    <a:srgbClr val="FFFFFF"/>
+                  </a:solidFill>
+                  <a:prstDash val="solid"/>
+                </a:ln>
+                <a:solidFill>
+                  <a:srgbClr val="FFFFFF"/>
+                </a:solidFill>
+                <a:effectLst>
+                  <a:outerShdw blurRad="63500" dir="3600000" algn="tl" rotWithShape="0">
+                    <a:srgbClr val="000000">
+                      <a:alpha val="70000"/>
+                    </a:srgbClr>
+                  </a:outerShdw>
+                </a:effectLst>
+              </a:endParaRPr>
+            </a:p>
+          </p:txBody>
+        </p:sp>
+        <p:sp>
+          <p:nvSpPr>
+            <p:cNvPr id="12" name="타원 11"/>
+            <p:cNvSpPr/>
+            <p:nvPr/>
+          </p:nvSpPr>
+          <p:spPr>
+            <a:xfrm>
+              <a:off x="2411760" y="2757352"/>
+              <a:ext cx="1152128" cy="599639"/>
+            </a:xfrm>
+            <a:prstGeom prst="ellipse">
+              <a:avLst/>
+            </a:prstGeom>
+            <a:solidFill>
+              <a:schemeClr val="tx2">
+                <a:lumMod val="75000"/>
+              </a:schemeClr>
+            </a:solidFill>
+            <a:ln>
+              <a:noFill/>
+            </a:ln>
+          </p:spPr>
+          <p:style>
+            <a:lnRef idx="2">
+              <a:schemeClr val="accent3">
+                <a:shade val="50000"/>
+              </a:schemeClr>
+            </a:lnRef>
+            <a:fillRef idx="1">
+              <a:schemeClr val="accent3"/>
+            </a:fillRef>
+            <a:effectRef idx="0">
+              <a:schemeClr val="accent3"/>
+            </a:effectRef>
+            <a:fontRef idx="minor">
+              <a:schemeClr val="lt1"/>
+            </a:fontRef>
+          </p:style>
+          <p:txBody>
+            <a:bodyPr rot="0" spcFirstLastPara="0" vertOverflow="overflow" horzOverflow="overflow" vert="horz" wrap="square" lIns="91440" tIns="45720" rIns="91440" bIns="45720" numCol="1" spcCol="0" rtlCol="0" fromWordArt="0" anchor="ctr" anchorCtr="0" forceAA="0" compatLnSpc="1">
+              <a:prstTxWarp prst="textNoShape">
+                <a:avLst/>
+              </a:prstTxWarp>
+              <a:noAutofit/>
+            </a:bodyPr>
+            <a:lstStyle/>
+            <a:p>
+              <a:pPr algn="ctr"/>
+              <a:r>
+                <a:rPr lang="en-US" altLang="ko-KR" dirty="0" smtClean="0">
+                  <a:ln w="18415" cmpd="sng">
+                    <a:solidFill>
+                      <a:srgbClr val="FFFFFF"/>
+                    </a:solidFill>
+                    <a:prstDash val="solid"/>
+                  </a:ln>
+                  <a:solidFill>
+                    <a:srgbClr val="FFFFFF"/>
+                  </a:solidFill>
+                  <a:effectLst>
+                    <a:outerShdw blurRad="63500" dir="3600000" algn="tl" rotWithShape="0">
+                      <a:srgbClr val="000000">
+                        <a:alpha val="70000"/>
+                      </a:srgbClr>
+                    </a:outerShdw>
+                  </a:effectLst>
+                </a:rPr>
+                <a:t>Phone</a:t>
+              </a:r>
+              <a:endParaRPr lang="ko-KR" altLang="en-US" dirty="0" err="1" smtClean="0">
+                <a:ln w="18415" cmpd="sng">
+                  <a:solidFill>
+                    <a:srgbClr val="FFFFFF"/>
+                  </a:solidFill>
+                  <a:prstDash val="solid"/>
+                </a:ln>
+                <a:solidFill>
+                  <a:srgbClr val="FFFFFF"/>
+                </a:solidFill>
+                <a:effectLst>
+                  <a:outerShdw blurRad="63500" dir="3600000" algn="tl" rotWithShape="0">
+                    <a:srgbClr val="000000">
+                      <a:alpha val="70000"/>
+                    </a:srgbClr>
+                  </a:outerShdw>
+                </a:effectLst>
+              </a:endParaRPr>
+            </a:p>
+          </p:txBody>
+        </p:sp>
+        <p:cxnSp>
+          <p:nvCxnSpPr>
+            <p:cNvPr id="14" name="직선 연결선 13"/>
+            <p:cNvCxnSpPr>
+              <a:stCxn id="6" idx="5"/>
+            </p:cNvCxnSpPr>
+            <p:nvPr/>
+          </p:nvCxnSpPr>
+          <p:spPr>
+            <a:xfrm>
+              <a:off x="1259798" y="1591502"/>
+              <a:ext cx="335995" cy="325330"/>
+            </a:xfrm>
+            <a:prstGeom prst="line">
+              <a:avLst/>
+            </a:prstGeom>
+            <a:ln>
+              <a:solidFill>
+                <a:schemeClr val="accent6">
+                  <a:lumMod val="75000"/>
+                </a:schemeClr>
+              </a:solidFill>
+            </a:ln>
+          </p:spPr>
+          <p:style>
+            <a:lnRef idx="2">
+              <a:schemeClr val="dk1"/>
+            </a:lnRef>
+            <a:fillRef idx="0">
+              <a:schemeClr val="dk1"/>
+            </a:fillRef>
+            <a:effectRef idx="1">
+              <a:schemeClr val="dk1"/>
+            </a:effectRef>
+            <a:fontRef idx="minor">
+              <a:schemeClr val="tx1"/>
+            </a:fontRef>
+          </p:style>
+        </p:cxnSp>
+        <p:cxnSp>
+          <p:nvCxnSpPr>
+            <p:cNvPr id="16" name="직선 연결선 15"/>
+            <p:cNvCxnSpPr>
+              <a:stCxn id="9" idx="0"/>
+            </p:cNvCxnSpPr>
+            <p:nvPr/>
+          </p:nvCxnSpPr>
+          <p:spPr>
+            <a:xfrm flipV="1">
+              <a:off x="1403648" y="2420888"/>
+              <a:ext cx="192145" cy="336465"/>
+            </a:xfrm>
+            <a:prstGeom prst="line">
+              <a:avLst/>
+            </a:prstGeom>
+            <a:ln>
+              <a:solidFill>
+                <a:schemeClr val="accent6">
+                  <a:lumMod val="75000"/>
+                </a:schemeClr>
+              </a:solidFill>
+            </a:ln>
+          </p:spPr>
+          <p:style>
+            <a:lnRef idx="2">
+              <a:schemeClr val="dk1"/>
+            </a:lnRef>
+            <a:fillRef idx="0">
+              <a:schemeClr val="dk1"/>
+            </a:fillRef>
+            <a:effectRef idx="1">
+              <a:schemeClr val="dk1"/>
+            </a:effectRef>
+            <a:fontRef idx="minor">
+              <a:schemeClr val="tx1"/>
+            </a:fontRef>
+          </p:style>
+        </p:cxnSp>
+        <p:cxnSp>
+          <p:nvCxnSpPr>
+            <p:cNvPr id="18" name="직선 연결선 17"/>
+            <p:cNvCxnSpPr>
+              <a:stCxn id="12" idx="0"/>
+            </p:cNvCxnSpPr>
+            <p:nvPr/>
+          </p:nvCxnSpPr>
+          <p:spPr>
+            <a:xfrm flipH="1" flipV="1">
+              <a:off x="2771800" y="2420888"/>
+              <a:ext cx="216024" cy="336464"/>
+            </a:xfrm>
+            <a:prstGeom prst="line">
+              <a:avLst/>
+            </a:prstGeom>
+            <a:ln>
+              <a:solidFill>
+                <a:schemeClr val="accent6">
+                  <a:lumMod val="75000"/>
+                </a:schemeClr>
+              </a:solidFill>
+            </a:ln>
+          </p:spPr>
+          <p:style>
+            <a:lnRef idx="2">
+              <a:schemeClr val="dk1"/>
+            </a:lnRef>
+            <a:fillRef idx="0">
+              <a:schemeClr val="dk1"/>
+            </a:fillRef>
+            <a:effectRef idx="1">
+              <a:schemeClr val="dk1"/>
+            </a:effectRef>
+            <a:fontRef idx="minor">
+              <a:schemeClr val="tx1"/>
+            </a:fontRef>
+          </p:style>
+        </p:cxnSp>
+        <p:cxnSp>
+          <p:nvCxnSpPr>
+            <p:cNvPr id="20" name="직선 연결선 19"/>
+            <p:cNvCxnSpPr>
+              <a:stCxn id="11" idx="3"/>
+            </p:cNvCxnSpPr>
+            <p:nvPr/>
+          </p:nvCxnSpPr>
+          <p:spPr>
+            <a:xfrm flipH="1">
+              <a:off x="2771800" y="1591501"/>
+              <a:ext cx="372584" cy="325331"/>
+            </a:xfrm>
+            <a:prstGeom prst="line">
+              <a:avLst/>
+            </a:prstGeom>
+            <a:ln>
+              <a:solidFill>
+                <a:schemeClr val="accent6">
+                  <a:lumMod val="75000"/>
+                </a:schemeClr>
+              </a:solidFill>
+            </a:ln>
+          </p:spPr>
+          <p:style>
+            <a:lnRef idx="2">
+              <a:schemeClr val="dk1"/>
+            </a:lnRef>
+            <a:fillRef idx="0">
+              <a:schemeClr val="dk1"/>
+            </a:fillRef>
+            <a:effectRef idx="1">
+              <a:schemeClr val="dk1"/>
+            </a:effectRef>
+            <a:fontRef idx="minor">
+              <a:schemeClr val="tx1"/>
+            </a:fontRef>
+          </p:style>
+        </p:cxnSp>
+        <p:sp>
+          <p:nvSpPr>
+            <p:cNvPr id="25" name="타원 24"/>
+            <p:cNvSpPr/>
+            <p:nvPr/>
+          </p:nvSpPr>
+          <p:spPr>
+            <a:xfrm>
+              <a:off x="1595793" y="980728"/>
+              <a:ext cx="1152128" cy="599639"/>
+            </a:xfrm>
+            <a:prstGeom prst="ellipse">
+              <a:avLst/>
+            </a:prstGeom>
+            <a:solidFill>
+              <a:schemeClr val="tx2">
+                <a:lumMod val="75000"/>
+              </a:schemeClr>
+            </a:solidFill>
+            <a:ln>
+              <a:noFill/>
+            </a:ln>
+          </p:spPr>
+          <p:style>
+            <a:lnRef idx="2">
+              <a:schemeClr val="accent3">
+                <a:shade val="50000"/>
+              </a:schemeClr>
+            </a:lnRef>
+            <a:fillRef idx="1">
+              <a:schemeClr val="accent3"/>
+            </a:fillRef>
+            <a:effectRef idx="0">
+              <a:schemeClr val="accent3"/>
+            </a:effectRef>
+            <a:fontRef idx="minor">
+              <a:schemeClr val="lt1"/>
+            </a:fontRef>
+          </p:style>
+          <p:txBody>
+            <a:bodyPr rot="0" spcFirstLastPara="0" vertOverflow="overflow" horzOverflow="overflow" vert="horz" wrap="square" lIns="91440" tIns="45720" rIns="91440" bIns="45720" numCol="1" spcCol="0" rtlCol="0" fromWordArt="0" anchor="ctr" anchorCtr="0" forceAA="0" compatLnSpc="1">
+              <a:prstTxWarp prst="textNoShape">
+                <a:avLst/>
+              </a:prstTxWarp>
+              <a:noAutofit/>
+            </a:bodyPr>
+            <a:lstStyle/>
+            <a:p>
+              <a:pPr algn="ctr"/>
+              <a:r>
+                <a:rPr lang="en-US" altLang="ko-KR" u="sng" dirty="0" smtClean="0">
+                  <a:ln w="18415" cmpd="sng">
+                    <a:solidFill>
+                      <a:srgbClr val="FFFFFF"/>
+                    </a:solidFill>
+                    <a:prstDash val="solid"/>
+                  </a:ln>
+                  <a:solidFill>
+                    <a:srgbClr val="FFFFFF"/>
+                  </a:solidFill>
+                  <a:effectLst>
+                    <a:outerShdw blurRad="63500" dir="3600000" algn="tl" rotWithShape="0">
+                      <a:srgbClr val="000000">
+                        <a:alpha val="70000"/>
+                      </a:srgbClr>
+                    </a:outerShdw>
+                  </a:effectLst>
+                </a:rPr>
+                <a:t>Email</a:t>
+              </a:r>
+              <a:endParaRPr lang="ko-KR" altLang="en-US" u="sng" dirty="0" err="1" smtClean="0">
+                <a:ln w="18415" cmpd="sng">
+                  <a:solidFill>
+                    <a:srgbClr val="FFFFFF"/>
+                  </a:solidFill>
+                  <a:prstDash val="solid"/>
+                </a:ln>
+                <a:solidFill>
+                  <a:srgbClr val="FFFFFF"/>
+                </a:solidFill>
+                <a:effectLst>
+                  <a:outerShdw blurRad="63500" dir="3600000" algn="tl" rotWithShape="0">
+                    <a:srgbClr val="000000">
+                      <a:alpha val="70000"/>
+                    </a:srgbClr>
+                  </a:outerShdw>
+                </a:effectLst>
+              </a:endParaRPr>
+            </a:p>
+          </p:txBody>
+        </p:sp>
+        <p:cxnSp>
+          <p:nvCxnSpPr>
+            <p:cNvPr id="28" name="직선 연결선 27"/>
+            <p:cNvCxnSpPr>
+              <a:stCxn id="4" idx="0"/>
+              <a:endCxn id="25" idx="4"/>
+            </p:cNvCxnSpPr>
+            <p:nvPr/>
+          </p:nvCxnSpPr>
+          <p:spPr>
+            <a:xfrm flipH="1" flipV="1">
+              <a:off x="2171857" y="1580367"/>
+              <a:ext cx="1" cy="336465"/>
+            </a:xfrm>
+            <a:prstGeom prst="line">
+              <a:avLst/>
+            </a:prstGeom>
+            <a:ln>
+              <a:solidFill>
+                <a:schemeClr val="accent6">
+                  <a:lumMod val="75000"/>
+                </a:schemeClr>
+              </a:solidFill>
+            </a:ln>
+          </p:spPr>
+          <p:style>
+            <a:lnRef idx="2">
+              <a:schemeClr val="dk1"/>
+            </a:lnRef>
+            <a:fillRef idx="0">
+              <a:schemeClr val="dk1"/>
+            </a:fillRef>
+            <a:effectRef idx="1">
+              <a:schemeClr val="dk1"/>
+            </a:effectRef>
+            <a:fontRef idx="minor">
+              <a:schemeClr val="tx1"/>
+            </a:fontRef>
+          </p:style>
+        </p:cxnSp>
+        <p:sp>
+          <p:nvSpPr>
+            <p:cNvPr id="4" name="직사각형 3"/>
+            <p:cNvSpPr/>
+            <p:nvPr/>
+          </p:nvSpPr>
+          <p:spPr>
+            <a:xfrm>
+              <a:off x="1187624" y="1916832"/>
+              <a:ext cx="1968467" cy="504056"/>
+            </a:xfrm>
+            <a:prstGeom prst="rect">
+              <a:avLst/>
+            </a:prstGeom>
+            <a:solidFill>
+              <a:schemeClr val="accent3">
+                <a:lumMod val="75000"/>
+              </a:schemeClr>
+            </a:solidFill>
+            <a:ln>
+              <a:noFill/>
+            </a:ln>
+          </p:spPr>
+          <p:style>
+            <a:lnRef idx="2">
+              <a:schemeClr val="accent3">
+                <a:shade val="50000"/>
+              </a:schemeClr>
+            </a:lnRef>
+            <a:fillRef idx="1">
+              <a:schemeClr val="accent3"/>
+            </a:fillRef>
+            <a:effectRef idx="0">
+              <a:schemeClr val="accent3"/>
+            </a:effectRef>
+            <a:fontRef idx="minor">
+              <a:schemeClr val="lt1"/>
+            </a:fontRef>
+          </p:style>
+          <p:txBody>
+            <a:bodyPr rtlCol="0" anchor="ctr"/>
+            <a:lstStyle/>
+            <a:p>
+              <a:pPr algn="ctr"/>
+              <a:r>
+                <a:rPr lang="en-US" altLang="ko-KR" dirty="0" err="1" smtClean="0">
+                  <a:ln w="18415" cmpd="sng">
+                    <a:solidFill>
+                      <a:srgbClr val="FFFFFF"/>
+                    </a:solidFill>
+                    <a:prstDash val="solid"/>
+                  </a:ln>
+                  <a:solidFill>
+                    <a:srgbClr val="FFFFFF"/>
+                  </a:solidFill>
+                  <a:effectLst>
+                    <a:outerShdw blurRad="63500" dir="3600000" algn="tl" rotWithShape="0">
+                      <a:srgbClr val="000000">
+                        <a:alpha val="70000"/>
+                      </a:srgbClr>
+                    </a:outerShdw>
+                  </a:effectLst>
+                </a:rPr>
+                <a:t>User_Information</a:t>
+              </a:r>
+              <a:endParaRPr lang="ko-KR" altLang="en-US" dirty="0"/>
+            </a:p>
+          </p:txBody>
+        </p:sp>
+      </p:grpSp>
+      <p:grpSp>
+        <p:nvGrpSpPr>
+          <p:cNvPr id="112" name="그룹 111"/>
+          <p:cNvGrpSpPr/>
+          <p:nvPr/>
+        </p:nvGrpSpPr>
+        <p:grpSpPr>
+          <a:xfrm>
+            <a:off x="4963241" y="620021"/>
+            <a:ext cx="5524602" cy="2376264"/>
+            <a:chOff x="4067944" y="1008053"/>
+            <a:chExt cx="5524602" cy="2376264"/>
+          </a:xfrm>
+        </p:grpSpPr>
+        <p:sp>
+          <p:nvSpPr>
+            <p:cNvPr id="56" name="타원 55"/>
+            <p:cNvSpPr/>
+            <p:nvPr/>
+          </p:nvSpPr>
+          <p:spPr>
+            <a:xfrm>
+              <a:off x="4860639" y="1181853"/>
+              <a:ext cx="1092261" cy="599639"/>
+            </a:xfrm>
+            <a:prstGeom prst="ellipse">
+              <a:avLst/>
+            </a:prstGeom>
+            <a:solidFill>
+              <a:schemeClr val="tx2">
+                <a:lumMod val="75000"/>
+              </a:schemeClr>
+            </a:solidFill>
+            <a:ln>
+              <a:noFill/>
+            </a:ln>
+          </p:spPr>
+          <p:style>
+            <a:lnRef idx="2">
+              <a:schemeClr val="accent3">
+                <a:shade val="50000"/>
+              </a:schemeClr>
+            </a:lnRef>
+            <a:fillRef idx="1">
+              <a:schemeClr val="accent3"/>
+            </a:fillRef>
+            <a:effectRef idx="0">
+              <a:schemeClr val="accent3"/>
+            </a:effectRef>
+            <a:fontRef idx="minor">
+              <a:schemeClr val="lt1"/>
+            </a:fontRef>
+          </p:style>
+          <p:txBody>
+            <a:bodyPr rot="0" spcFirstLastPara="0" vertOverflow="overflow" horzOverflow="overflow" vert="horz" wrap="square" lIns="91440" tIns="45720" rIns="91440" bIns="45720" numCol="1" spcCol="0" rtlCol="0" fromWordArt="0" anchor="ctr" anchorCtr="0" forceAA="0" compatLnSpc="1">
+              <a:prstTxWarp prst="textNoShape">
+                <a:avLst/>
+              </a:prstTxWarp>
+              <a:noAutofit/>
+            </a:bodyPr>
+            <a:lstStyle/>
+            <a:p>
+              <a:pPr algn="ctr"/>
+              <a:r>
+                <a:rPr lang="en-US" altLang="ko-KR" dirty="0" smtClean="0">
+                  <a:ln w="18415" cmpd="sng">
+                    <a:solidFill>
+                      <a:srgbClr val="FFFFFF"/>
+                    </a:solidFill>
+                    <a:prstDash val="solid"/>
+                  </a:ln>
+                  <a:solidFill>
+                    <a:srgbClr val="FFFFFF"/>
+                  </a:solidFill>
+                  <a:effectLst>
+                    <a:outerShdw blurRad="63500" dir="3600000" algn="tl" rotWithShape="0">
+                      <a:srgbClr val="000000">
+                        <a:alpha val="70000"/>
+                      </a:srgbClr>
+                    </a:outerShdw>
+                  </a:effectLst>
+                </a:rPr>
+                <a:t>email</a:t>
+              </a:r>
+              <a:endParaRPr lang="ko-KR" altLang="en-US" dirty="0" err="1" smtClean="0">
+                <a:ln w="18415" cmpd="sng">
+                  <a:solidFill>
+                    <a:srgbClr val="FFFFFF"/>
+                  </a:solidFill>
+                  <a:prstDash val="solid"/>
+                </a:ln>
+                <a:solidFill>
+                  <a:srgbClr val="FFFFFF"/>
+                </a:solidFill>
+                <a:effectLst>
+                  <a:outerShdw blurRad="63500" dir="3600000" algn="tl" rotWithShape="0">
+                    <a:srgbClr val="000000">
+                      <a:alpha val="70000"/>
+                    </a:srgbClr>
+                  </a:outerShdw>
+                </a:effectLst>
+              </a:endParaRPr>
+            </a:p>
+          </p:txBody>
+        </p:sp>
+        <p:sp>
+          <p:nvSpPr>
+            <p:cNvPr id="57" name="타원 56"/>
+            <p:cNvSpPr/>
+            <p:nvPr/>
+          </p:nvSpPr>
+          <p:spPr>
+            <a:xfrm>
+              <a:off x="5571247" y="2784678"/>
+              <a:ext cx="1372818" cy="599639"/>
+            </a:xfrm>
+            <a:prstGeom prst="ellipse">
+              <a:avLst/>
+            </a:prstGeom>
+            <a:solidFill>
+              <a:schemeClr val="tx2">
+                <a:lumMod val="75000"/>
+              </a:schemeClr>
+            </a:solidFill>
+            <a:ln>
+              <a:noFill/>
+            </a:ln>
+          </p:spPr>
+          <p:style>
+            <a:lnRef idx="2">
+              <a:schemeClr val="accent3">
+                <a:shade val="50000"/>
+              </a:schemeClr>
+            </a:lnRef>
+            <a:fillRef idx="1">
+              <a:schemeClr val="accent3"/>
+            </a:fillRef>
+            <a:effectRef idx="0">
+              <a:schemeClr val="accent3"/>
+            </a:effectRef>
+            <a:fontRef idx="minor">
+              <a:schemeClr val="lt1"/>
+            </a:fontRef>
+          </p:style>
+          <p:txBody>
+            <a:bodyPr rot="0" spcFirstLastPara="0" vertOverflow="overflow" horzOverflow="overflow" vert="horz" wrap="square" lIns="91440" tIns="45720" rIns="91440" bIns="45720" numCol="1" spcCol="0" rtlCol="0" fromWordArt="0" anchor="ctr" anchorCtr="0" forceAA="0" compatLnSpc="1">
+              <a:prstTxWarp prst="textNoShape">
+                <a:avLst/>
+              </a:prstTxWarp>
+              <a:noAutofit/>
+            </a:bodyPr>
+            <a:lstStyle/>
+            <a:p>
+              <a:pPr algn="ctr"/>
+              <a:r>
+                <a:rPr lang="en-US" altLang="ko-KR" dirty="0" err="1" smtClean="0">
+                  <a:ln w="18415" cmpd="sng">
+                    <a:solidFill>
+                      <a:srgbClr val="FFFFFF"/>
+                    </a:solidFill>
+                    <a:prstDash val="solid"/>
+                  </a:ln>
+                  <a:solidFill>
+                    <a:srgbClr val="FFFFFF"/>
+                  </a:solidFill>
+                  <a:effectLst>
+                    <a:outerShdw blurRad="63500" dir="3600000" algn="tl" rotWithShape="0">
+                      <a:srgbClr val="000000">
+                        <a:alpha val="70000"/>
+                      </a:srgbClr>
+                    </a:outerShdw>
+                  </a:effectLst>
+                </a:rPr>
+                <a:t>Del_Flg</a:t>
+              </a:r>
+              <a:endParaRPr lang="ko-KR" altLang="en-US" dirty="0" err="1" smtClean="0">
+                <a:ln w="18415" cmpd="sng">
+                  <a:solidFill>
+                    <a:srgbClr val="FFFFFF"/>
+                  </a:solidFill>
+                  <a:prstDash val="solid"/>
+                </a:ln>
+                <a:solidFill>
+                  <a:srgbClr val="FFFFFF"/>
+                </a:solidFill>
+                <a:effectLst>
+                  <a:outerShdw blurRad="63500" dir="3600000" algn="tl" rotWithShape="0">
+                    <a:srgbClr val="000000">
+                      <a:alpha val="70000"/>
+                    </a:srgbClr>
+                  </a:outerShdw>
+                </a:effectLst>
+              </a:endParaRPr>
+            </a:p>
+          </p:txBody>
+        </p:sp>
+        <p:sp>
+          <p:nvSpPr>
+            <p:cNvPr id="58" name="타원 57"/>
+            <p:cNvSpPr/>
+            <p:nvPr/>
+          </p:nvSpPr>
+          <p:spPr>
+            <a:xfrm>
+              <a:off x="8106024" y="1181853"/>
+              <a:ext cx="1122268" cy="599639"/>
+            </a:xfrm>
+            <a:prstGeom prst="ellipse">
+              <a:avLst/>
+            </a:prstGeom>
+            <a:solidFill>
+              <a:schemeClr val="tx2">
+                <a:lumMod val="75000"/>
+              </a:schemeClr>
+            </a:solidFill>
+            <a:ln>
+              <a:noFill/>
+            </a:ln>
+          </p:spPr>
+          <p:style>
+            <a:lnRef idx="2">
+              <a:schemeClr val="accent3">
+                <a:shade val="50000"/>
+              </a:schemeClr>
+            </a:lnRef>
+            <a:fillRef idx="1">
+              <a:schemeClr val="accent3"/>
+            </a:fillRef>
+            <a:effectRef idx="0">
+              <a:schemeClr val="accent3"/>
+            </a:effectRef>
+            <a:fontRef idx="minor">
+              <a:schemeClr val="lt1"/>
+            </a:fontRef>
+          </p:style>
+          <p:txBody>
+            <a:bodyPr rot="0" spcFirstLastPara="0" vertOverflow="overflow" horzOverflow="overflow" vert="horz" wrap="square" lIns="91440" tIns="45720" rIns="91440" bIns="45720" numCol="1" spcCol="0" rtlCol="0" fromWordArt="0" anchor="ctr" anchorCtr="0" forceAA="0" compatLnSpc="1">
+              <a:prstTxWarp prst="textNoShape">
+                <a:avLst/>
+              </a:prstTxWarp>
+              <a:noAutofit/>
+            </a:bodyPr>
+            <a:lstStyle/>
+            <a:p>
+              <a:pPr algn="ctr"/>
+              <a:r>
+                <a:rPr lang="en-US" altLang="ko-KR" dirty="0" smtClean="0">
+                  <a:ln w="18415" cmpd="sng">
+                    <a:solidFill>
+                      <a:srgbClr val="FFFFFF"/>
+                    </a:solidFill>
+                    <a:prstDash val="solid"/>
+                  </a:ln>
+                  <a:solidFill>
+                    <a:srgbClr val="FFFFFF"/>
+                  </a:solidFill>
+                  <a:effectLst>
+                    <a:outerShdw blurRad="63500" dir="3600000" algn="tl" rotWithShape="0">
+                      <a:srgbClr val="000000">
+                        <a:alpha val="70000"/>
+                      </a:srgbClr>
+                    </a:outerShdw>
+                  </a:effectLst>
+                </a:rPr>
+                <a:t>title</a:t>
+              </a:r>
+              <a:endParaRPr lang="ko-KR" altLang="en-US" dirty="0" err="1" smtClean="0">
+                <a:ln w="18415" cmpd="sng">
+                  <a:solidFill>
+                    <a:srgbClr val="FFFFFF"/>
+                  </a:solidFill>
+                  <a:prstDash val="solid"/>
+                </a:ln>
+                <a:solidFill>
+                  <a:srgbClr val="FFFFFF"/>
+                </a:solidFill>
+                <a:effectLst>
+                  <a:outerShdw blurRad="63500" dir="3600000" algn="tl" rotWithShape="0">
+                    <a:srgbClr val="000000">
+                      <a:alpha val="70000"/>
+                    </a:srgbClr>
+                  </a:outerShdw>
+                </a:effectLst>
+              </a:endParaRPr>
+            </a:p>
+          </p:txBody>
+        </p:sp>
+        <p:sp>
+          <p:nvSpPr>
+            <p:cNvPr id="59" name="타원 58"/>
+            <p:cNvSpPr/>
+            <p:nvPr/>
+          </p:nvSpPr>
+          <p:spPr>
+            <a:xfrm>
+              <a:off x="7120235" y="2784677"/>
+              <a:ext cx="1443194" cy="599639"/>
+            </a:xfrm>
+            <a:prstGeom prst="ellipse">
+              <a:avLst/>
+            </a:prstGeom>
+            <a:solidFill>
+              <a:schemeClr val="tx2">
+                <a:lumMod val="75000"/>
+              </a:schemeClr>
+            </a:solidFill>
+            <a:ln>
+              <a:noFill/>
+            </a:ln>
+          </p:spPr>
+          <p:style>
+            <a:lnRef idx="2">
+              <a:schemeClr val="accent3">
+                <a:shade val="50000"/>
+              </a:schemeClr>
+            </a:lnRef>
+            <a:fillRef idx="1">
+              <a:schemeClr val="accent3"/>
+            </a:fillRef>
+            <a:effectRef idx="0">
+              <a:schemeClr val="accent3"/>
+            </a:effectRef>
+            <a:fontRef idx="minor">
+              <a:schemeClr val="lt1"/>
+            </a:fontRef>
+          </p:style>
+          <p:txBody>
+            <a:bodyPr rot="0" spcFirstLastPara="0" vertOverflow="overflow" horzOverflow="overflow" vert="horz" wrap="square" lIns="91440" tIns="45720" rIns="91440" bIns="45720" numCol="1" spcCol="0" rtlCol="0" fromWordArt="0" anchor="ctr" anchorCtr="0" forceAA="0" compatLnSpc="1">
+              <a:prstTxWarp prst="textNoShape">
+                <a:avLst/>
+              </a:prstTxWarp>
+              <a:noAutofit/>
+            </a:bodyPr>
+            <a:lstStyle/>
+            <a:p>
+              <a:pPr algn="ctr"/>
+              <a:r>
+                <a:rPr lang="en-US" altLang="ko-KR" dirty="0" smtClean="0">
+                  <a:ln w="18415" cmpd="sng">
+                    <a:solidFill>
+                      <a:srgbClr val="FFFFFF"/>
+                    </a:solidFill>
+                    <a:prstDash val="solid"/>
+                  </a:ln>
+                  <a:solidFill>
+                    <a:srgbClr val="FFFFFF"/>
+                  </a:solidFill>
+                  <a:effectLst>
+                    <a:outerShdw blurRad="63500" dir="3600000" algn="tl" rotWithShape="0">
+                      <a:srgbClr val="000000">
+                        <a:alpha val="70000"/>
+                      </a:srgbClr>
+                    </a:outerShdw>
+                  </a:effectLst>
+                </a:rPr>
+                <a:t>content</a:t>
+              </a:r>
+              <a:endParaRPr lang="ko-KR" altLang="en-US" dirty="0" err="1" smtClean="0">
+                <a:ln w="18415" cmpd="sng">
+                  <a:solidFill>
+                    <a:srgbClr val="FFFFFF"/>
+                  </a:solidFill>
+                  <a:prstDash val="solid"/>
+                </a:ln>
+                <a:solidFill>
+                  <a:srgbClr val="FFFFFF"/>
+                </a:solidFill>
+                <a:effectLst>
+                  <a:outerShdw blurRad="63500" dir="3600000" algn="tl" rotWithShape="0">
+                    <a:srgbClr val="000000">
+                      <a:alpha val="70000"/>
+                    </a:srgbClr>
+                  </a:outerShdw>
+                </a:effectLst>
+              </a:endParaRPr>
+            </a:p>
+          </p:txBody>
+        </p:sp>
+        <p:cxnSp>
+          <p:nvCxnSpPr>
+            <p:cNvPr id="60" name="직선 연결선 59"/>
+            <p:cNvCxnSpPr>
+              <a:stCxn id="56" idx="5"/>
+            </p:cNvCxnSpPr>
+            <p:nvPr/>
+          </p:nvCxnSpPr>
+          <p:spPr>
+            <a:xfrm>
+              <a:off x="5792942" y="1693677"/>
+              <a:ext cx="568127" cy="325330"/>
+            </a:xfrm>
+            <a:prstGeom prst="line">
+              <a:avLst/>
+            </a:prstGeom>
+            <a:ln>
+              <a:solidFill>
+                <a:schemeClr val="accent6">
+                  <a:lumMod val="75000"/>
+                </a:schemeClr>
+              </a:solidFill>
+            </a:ln>
+          </p:spPr>
+          <p:style>
+            <a:lnRef idx="2">
+              <a:schemeClr val="dk1"/>
+            </a:lnRef>
+            <a:fillRef idx="0">
+              <a:schemeClr val="dk1"/>
+            </a:fillRef>
+            <a:effectRef idx="1">
+              <a:schemeClr val="dk1"/>
+            </a:effectRef>
+            <a:fontRef idx="minor">
+              <a:schemeClr val="tx1"/>
+            </a:fontRef>
+          </p:style>
+        </p:cxnSp>
+        <p:cxnSp>
+          <p:nvCxnSpPr>
+            <p:cNvPr id="61" name="직선 연결선 60"/>
+            <p:cNvCxnSpPr>
+              <a:stCxn id="57" idx="0"/>
+            </p:cNvCxnSpPr>
+            <p:nvPr/>
+          </p:nvCxnSpPr>
+          <p:spPr>
+            <a:xfrm flipV="1">
+              <a:off x="6257656" y="2448213"/>
+              <a:ext cx="192145" cy="336465"/>
+            </a:xfrm>
+            <a:prstGeom prst="line">
+              <a:avLst/>
+            </a:prstGeom>
+            <a:ln>
+              <a:solidFill>
+                <a:schemeClr val="accent6">
+                  <a:lumMod val="75000"/>
+                </a:schemeClr>
+              </a:solidFill>
+            </a:ln>
+          </p:spPr>
+          <p:style>
+            <a:lnRef idx="2">
+              <a:schemeClr val="dk1"/>
+            </a:lnRef>
+            <a:fillRef idx="0">
+              <a:schemeClr val="dk1"/>
+            </a:fillRef>
+            <a:effectRef idx="1">
+              <a:schemeClr val="dk1"/>
+            </a:effectRef>
+            <a:fontRef idx="minor">
+              <a:schemeClr val="tx1"/>
+            </a:fontRef>
+          </p:style>
+        </p:cxnSp>
+        <p:cxnSp>
+          <p:nvCxnSpPr>
+            <p:cNvPr id="62" name="직선 연결선 61"/>
+            <p:cNvCxnSpPr>
+              <a:stCxn id="59" idx="0"/>
+            </p:cNvCxnSpPr>
+            <p:nvPr/>
+          </p:nvCxnSpPr>
+          <p:spPr>
+            <a:xfrm flipH="1" flipV="1">
+              <a:off x="7625808" y="2448213"/>
+              <a:ext cx="216024" cy="336464"/>
+            </a:xfrm>
+            <a:prstGeom prst="line">
+              <a:avLst/>
+            </a:prstGeom>
+            <a:ln>
+              <a:solidFill>
+                <a:schemeClr val="accent6">
+                  <a:lumMod val="75000"/>
+                </a:schemeClr>
+              </a:solidFill>
+            </a:ln>
+          </p:spPr>
+          <p:style>
+            <a:lnRef idx="2">
+              <a:schemeClr val="dk1"/>
+            </a:lnRef>
+            <a:fillRef idx="0">
+              <a:schemeClr val="dk1"/>
+            </a:fillRef>
+            <a:effectRef idx="1">
+              <a:schemeClr val="dk1"/>
+            </a:effectRef>
+            <a:fontRef idx="minor">
+              <a:schemeClr val="tx1"/>
+            </a:fontRef>
+          </p:style>
+        </p:cxnSp>
+        <p:cxnSp>
+          <p:nvCxnSpPr>
+            <p:cNvPr id="63" name="직선 연결선 62"/>
+            <p:cNvCxnSpPr>
+              <a:stCxn id="58" idx="3"/>
+            </p:cNvCxnSpPr>
+            <p:nvPr/>
+          </p:nvCxnSpPr>
+          <p:spPr>
+            <a:xfrm flipH="1">
+              <a:off x="7601580" y="1693677"/>
+              <a:ext cx="668796" cy="325331"/>
+            </a:xfrm>
+            <a:prstGeom prst="line">
+              <a:avLst/>
+            </a:prstGeom>
+            <a:ln>
+              <a:solidFill>
+                <a:schemeClr val="accent6">
+                  <a:lumMod val="75000"/>
+                </a:schemeClr>
+              </a:solidFill>
+            </a:ln>
+          </p:spPr>
+          <p:style>
+            <a:lnRef idx="2">
+              <a:schemeClr val="dk1"/>
+            </a:lnRef>
+            <a:fillRef idx="0">
+              <a:schemeClr val="dk1"/>
+            </a:fillRef>
+            <a:effectRef idx="1">
+              <a:schemeClr val="dk1"/>
+            </a:effectRef>
+            <a:fontRef idx="minor">
+              <a:schemeClr val="tx1"/>
+            </a:fontRef>
+          </p:style>
+        </p:cxnSp>
+        <p:sp>
+          <p:nvSpPr>
+            <p:cNvPr id="64" name="타원 63"/>
+            <p:cNvSpPr/>
+            <p:nvPr/>
+          </p:nvSpPr>
+          <p:spPr>
+            <a:xfrm>
+              <a:off x="6083387" y="1008053"/>
+              <a:ext cx="1884956" cy="599639"/>
+            </a:xfrm>
+            <a:prstGeom prst="ellipse">
+              <a:avLst/>
+            </a:prstGeom>
+            <a:solidFill>
+              <a:schemeClr val="tx2">
+                <a:lumMod val="75000"/>
+              </a:schemeClr>
+            </a:solidFill>
+            <a:ln>
+              <a:noFill/>
+            </a:ln>
+          </p:spPr>
+          <p:style>
+            <a:lnRef idx="2">
+              <a:schemeClr val="accent3">
+                <a:shade val="50000"/>
+              </a:schemeClr>
+            </a:lnRef>
+            <a:fillRef idx="1">
+              <a:schemeClr val="accent3"/>
+            </a:fillRef>
+            <a:effectRef idx="0">
+              <a:schemeClr val="accent3"/>
+            </a:effectRef>
+            <a:fontRef idx="minor">
+              <a:schemeClr val="lt1"/>
+            </a:fontRef>
+          </p:style>
+          <p:txBody>
+            <a:bodyPr rot="0" spcFirstLastPara="0" vertOverflow="overflow" horzOverflow="overflow" vert="horz" wrap="square" lIns="91440" tIns="45720" rIns="91440" bIns="45720" numCol="1" spcCol="0" rtlCol="0" fromWordArt="0" anchor="ctr" anchorCtr="0" forceAA="0" compatLnSpc="1">
+              <a:prstTxWarp prst="textNoShape">
+                <a:avLst/>
+              </a:prstTxWarp>
+              <a:noAutofit/>
+            </a:bodyPr>
+            <a:lstStyle/>
+            <a:p>
+              <a:pPr algn="ctr"/>
+              <a:r>
+                <a:rPr lang="en-US" altLang="ko-KR" u="sng" dirty="0" err="1" smtClean="0">
+                  <a:ln w="18415" cmpd="sng">
+                    <a:solidFill>
+                      <a:srgbClr val="FFFFFF"/>
+                    </a:solidFill>
+                    <a:prstDash val="solid"/>
+                  </a:ln>
+                  <a:solidFill>
+                    <a:srgbClr val="FFFFFF"/>
+                  </a:solidFill>
+                  <a:effectLst>
+                    <a:outerShdw blurRad="63500" dir="3600000" algn="tl" rotWithShape="0">
+                      <a:srgbClr val="000000">
+                        <a:alpha val="70000"/>
+                      </a:srgbClr>
+                    </a:outerShdw>
+                  </a:effectLst>
+                </a:rPr>
+                <a:t>Board_num</a:t>
+              </a:r>
+              <a:endParaRPr lang="ko-KR" altLang="en-US" u="sng" dirty="0" err="1" smtClean="0">
+                <a:ln w="18415" cmpd="sng">
+                  <a:solidFill>
+                    <a:srgbClr val="FFFFFF"/>
+                  </a:solidFill>
+                  <a:prstDash val="solid"/>
+                </a:ln>
+                <a:solidFill>
+                  <a:srgbClr val="FFFFFF"/>
+                </a:solidFill>
+                <a:effectLst>
+                  <a:outerShdw blurRad="63500" dir="3600000" algn="tl" rotWithShape="0">
+                    <a:srgbClr val="000000">
+                      <a:alpha val="70000"/>
+                    </a:srgbClr>
+                  </a:outerShdw>
+                </a:effectLst>
+              </a:endParaRPr>
+            </a:p>
+          </p:txBody>
+        </p:sp>
+        <p:cxnSp>
+          <p:nvCxnSpPr>
+            <p:cNvPr id="65" name="직선 연결선 64"/>
+            <p:cNvCxnSpPr>
+              <a:stCxn id="66" idx="0"/>
+              <a:endCxn id="64" idx="4"/>
+            </p:cNvCxnSpPr>
+            <p:nvPr/>
+          </p:nvCxnSpPr>
+          <p:spPr>
+            <a:xfrm flipH="1" flipV="1">
+              <a:off x="7025865" y="1607692"/>
+              <a:ext cx="1" cy="336465"/>
+            </a:xfrm>
+            <a:prstGeom prst="line">
+              <a:avLst/>
+            </a:prstGeom>
+            <a:ln>
+              <a:solidFill>
+                <a:schemeClr val="accent6">
+                  <a:lumMod val="75000"/>
+                </a:schemeClr>
+              </a:solidFill>
+            </a:ln>
+          </p:spPr>
+          <p:style>
+            <a:lnRef idx="2">
+              <a:schemeClr val="dk1"/>
+            </a:lnRef>
+            <a:fillRef idx="0">
+              <a:schemeClr val="dk1"/>
+            </a:fillRef>
+            <a:effectRef idx="1">
+              <a:schemeClr val="dk1"/>
+            </a:effectRef>
+            <a:fontRef idx="minor">
+              <a:schemeClr val="tx1"/>
+            </a:fontRef>
+          </p:style>
+        </p:cxnSp>
+        <p:sp>
+          <p:nvSpPr>
+            <p:cNvPr id="66" name="직사각형 65"/>
+            <p:cNvSpPr/>
+            <p:nvPr/>
+          </p:nvSpPr>
+          <p:spPr>
+            <a:xfrm>
+              <a:off x="6041632" y="1944157"/>
+              <a:ext cx="1968467" cy="504056"/>
+            </a:xfrm>
+            <a:prstGeom prst="rect">
+              <a:avLst/>
+            </a:prstGeom>
+            <a:solidFill>
+              <a:schemeClr val="accent3">
+                <a:lumMod val="75000"/>
+              </a:schemeClr>
+            </a:solidFill>
+            <a:ln>
+              <a:noFill/>
+            </a:ln>
+          </p:spPr>
+          <p:style>
+            <a:lnRef idx="2">
+              <a:schemeClr val="accent3">
+                <a:shade val="50000"/>
+              </a:schemeClr>
+            </a:lnRef>
+            <a:fillRef idx="1">
+              <a:schemeClr val="accent3"/>
+            </a:fillRef>
+            <a:effectRef idx="0">
+              <a:schemeClr val="accent3"/>
+            </a:effectRef>
+            <a:fontRef idx="minor">
+              <a:schemeClr val="lt1"/>
+            </a:fontRef>
+          </p:style>
+          <p:txBody>
+            <a:bodyPr rtlCol="0" anchor="ctr"/>
+            <a:lstStyle/>
+            <a:p>
+              <a:pPr algn="ctr"/>
+              <a:r>
+                <a:rPr lang="en-US" altLang="ko-KR" dirty="0" smtClean="0">
+                  <a:ln w="18415" cmpd="sng">
+                    <a:solidFill>
+                      <a:srgbClr val="FFFFFF"/>
+                    </a:solidFill>
+                    <a:prstDash val="solid"/>
+                  </a:ln>
+                  <a:solidFill>
+                    <a:srgbClr val="FFFFFF"/>
+                  </a:solidFill>
+                  <a:effectLst>
+                    <a:outerShdw blurRad="63500" dir="3600000" algn="tl" rotWithShape="0">
+                      <a:srgbClr val="000000">
+                        <a:alpha val="70000"/>
+                      </a:srgbClr>
+                    </a:outerShdw>
+                  </a:effectLst>
+                </a:rPr>
+                <a:t>Board</a:t>
+              </a:r>
+              <a:endParaRPr lang="ko-KR" altLang="en-US" dirty="0"/>
+            </a:p>
+          </p:txBody>
+        </p:sp>
+        <p:sp>
+          <p:nvSpPr>
+            <p:cNvPr id="80" name="타원 79"/>
+            <p:cNvSpPr/>
+            <p:nvPr/>
+          </p:nvSpPr>
+          <p:spPr>
+            <a:xfrm>
+              <a:off x="8460432" y="1988840"/>
+              <a:ext cx="1132114" cy="599639"/>
+            </a:xfrm>
+            <a:prstGeom prst="ellipse">
+              <a:avLst/>
+            </a:prstGeom>
+            <a:solidFill>
+              <a:schemeClr val="tx2">
+                <a:lumMod val="75000"/>
+              </a:schemeClr>
+            </a:solidFill>
+            <a:ln>
+              <a:noFill/>
+            </a:ln>
+          </p:spPr>
+          <p:style>
+            <a:lnRef idx="2">
+              <a:schemeClr val="accent3">
+                <a:shade val="50000"/>
+              </a:schemeClr>
+            </a:lnRef>
+            <a:fillRef idx="1">
+              <a:schemeClr val="accent3"/>
+            </a:fillRef>
+            <a:effectRef idx="0">
+              <a:schemeClr val="accent3"/>
+            </a:effectRef>
+            <a:fontRef idx="minor">
+              <a:schemeClr val="lt1"/>
+            </a:fontRef>
+          </p:style>
+          <p:txBody>
+            <a:bodyPr rot="0" spcFirstLastPara="0" vertOverflow="overflow" horzOverflow="overflow" vert="horz" wrap="square" lIns="91440" tIns="45720" rIns="91440" bIns="45720" numCol="1" spcCol="0" rtlCol="0" fromWordArt="0" anchor="ctr" anchorCtr="0" forceAA="0" compatLnSpc="1">
+              <a:prstTxWarp prst="textNoShape">
+                <a:avLst/>
+              </a:prstTxWarp>
+              <a:noAutofit/>
+            </a:bodyPr>
+            <a:lstStyle/>
+            <a:p>
+              <a:pPr algn="ctr"/>
+              <a:r>
+                <a:rPr lang="en-US" altLang="ko-KR" dirty="0" smtClean="0">
+                  <a:ln w="18415" cmpd="sng">
+                    <a:solidFill>
+                      <a:srgbClr val="FFFFFF"/>
+                    </a:solidFill>
+                    <a:prstDash val="solid"/>
+                  </a:ln>
+                  <a:solidFill>
+                    <a:srgbClr val="FFFFFF"/>
+                  </a:solidFill>
+                  <a:effectLst>
+                    <a:outerShdw blurRad="63500" dir="3600000" algn="tl" rotWithShape="0">
+                      <a:srgbClr val="000000">
+                        <a:alpha val="70000"/>
+                      </a:srgbClr>
+                    </a:outerShdw>
+                  </a:effectLst>
+                </a:rPr>
+                <a:t>kinds</a:t>
+              </a:r>
+              <a:endParaRPr lang="ko-KR" altLang="en-US" dirty="0" err="1" smtClean="0">
+                <a:ln w="18415" cmpd="sng">
+                  <a:solidFill>
+                    <a:srgbClr val="FFFFFF"/>
+                  </a:solidFill>
+                  <a:prstDash val="solid"/>
+                </a:ln>
+                <a:solidFill>
+                  <a:srgbClr val="FFFFFF"/>
+                </a:solidFill>
+                <a:effectLst>
+                  <a:outerShdw blurRad="63500" dir="3600000" algn="tl" rotWithShape="0">
+                    <a:srgbClr val="000000">
+                      <a:alpha val="70000"/>
+                    </a:srgbClr>
+                  </a:outerShdw>
+                </a:effectLst>
+              </a:endParaRPr>
+            </a:p>
+          </p:txBody>
+        </p:sp>
+        <p:cxnSp>
+          <p:nvCxnSpPr>
+            <p:cNvPr id="82" name="직선 연결선 81"/>
+            <p:cNvCxnSpPr>
+              <a:stCxn id="80" idx="2"/>
+              <a:endCxn id="66" idx="3"/>
+            </p:cNvCxnSpPr>
+            <p:nvPr/>
+          </p:nvCxnSpPr>
+          <p:spPr>
+            <a:xfrm flipH="1" flipV="1">
+              <a:off x="8010099" y="2196185"/>
+              <a:ext cx="450333" cy="92475"/>
+            </a:xfrm>
+            <a:prstGeom prst="line">
+              <a:avLst/>
+            </a:prstGeom>
+            <a:ln>
+              <a:solidFill>
+                <a:schemeClr val="accent6">
+                  <a:lumMod val="75000"/>
+                </a:schemeClr>
+              </a:solidFill>
+            </a:ln>
+          </p:spPr>
+          <p:style>
+            <a:lnRef idx="2">
+              <a:schemeClr val="dk1"/>
+            </a:lnRef>
+            <a:fillRef idx="0">
+              <a:schemeClr val="dk1"/>
+            </a:fillRef>
+            <a:effectRef idx="1">
+              <a:schemeClr val="dk1"/>
+            </a:effectRef>
+            <a:fontRef idx="minor">
+              <a:schemeClr val="tx1"/>
+            </a:fontRef>
+          </p:style>
+        </p:cxnSp>
+        <p:sp>
+          <p:nvSpPr>
+            <p:cNvPr id="85" name="타원 84"/>
+            <p:cNvSpPr/>
+            <p:nvPr/>
+          </p:nvSpPr>
+          <p:spPr>
+            <a:xfrm>
+              <a:off x="4067944" y="2002170"/>
+              <a:ext cx="1585390" cy="599639"/>
+            </a:xfrm>
+            <a:prstGeom prst="ellipse">
+              <a:avLst/>
+            </a:prstGeom>
+            <a:solidFill>
+              <a:schemeClr val="tx2">
+                <a:lumMod val="75000"/>
+              </a:schemeClr>
+            </a:solidFill>
+            <a:ln>
+              <a:noFill/>
+            </a:ln>
+          </p:spPr>
+          <p:style>
+            <a:lnRef idx="2">
+              <a:schemeClr val="accent3">
+                <a:shade val="50000"/>
+              </a:schemeClr>
+            </a:lnRef>
+            <a:fillRef idx="1">
+              <a:schemeClr val="accent3"/>
+            </a:fillRef>
+            <a:effectRef idx="0">
+              <a:schemeClr val="accent3"/>
+            </a:effectRef>
+            <a:fontRef idx="minor">
+              <a:schemeClr val="lt1"/>
+            </a:fontRef>
+          </p:style>
+          <p:txBody>
+            <a:bodyPr rot="0" spcFirstLastPara="0" vertOverflow="overflow" horzOverflow="overflow" vert="horz" wrap="square" lIns="91440" tIns="45720" rIns="91440" bIns="45720" numCol="1" spcCol="0" rtlCol="0" fromWordArt="0" anchor="ctr" anchorCtr="0" forceAA="0" compatLnSpc="1">
+              <a:prstTxWarp prst="textNoShape">
+                <a:avLst/>
+              </a:prstTxWarp>
+              <a:noAutofit/>
+            </a:bodyPr>
+            <a:lstStyle/>
+            <a:p>
+              <a:pPr algn="ctr"/>
+              <a:r>
+                <a:rPr lang="en-US" altLang="ko-KR" dirty="0" err="1" smtClean="0">
+                  <a:ln w="18415" cmpd="sng">
+                    <a:solidFill>
+                      <a:srgbClr val="FFFFFF"/>
+                    </a:solidFill>
+                    <a:prstDash val="solid"/>
+                  </a:ln>
+                  <a:solidFill>
+                    <a:srgbClr val="FFFFFF"/>
+                  </a:solidFill>
+                  <a:effectLst>
+                    <a:outerShdw blurRad="63500" dir="3600000" algn="tl" rotWithShape="0">
+                      <a:srgbClr val="000000">
+                        <a:alpha val="70000"/>
+                      </a:srgbClr>
+                    </a:outerShdw>
+                  </a:effectLst>
+                </a:rPr>
+                <a:t>writedate</a:t>
+              </a:r>
+              <a:endParaRPr lang="ko-KR" altLang="en-US" dirty="0" err="1" smtClean="0">
+                <a:ln w="18415" cmpd="sng">
+                  <a:solidFill>
+                    <a:srgbClr val="FFFFFF"/>
+                  </a:solidFill>
+                  <a:prstDash val="solid"/>
+                </a:ln>
+                <a:solidFill>
+                  <a:srgbClr val="FFFFFF"/>
+                </a:solidFill>
+                <a:effectLst>
+                  <a:outerShdw blurRad="63500" dir="3600000" algn="tl" rotWithShape="0">
+                    <a:srgbClr val="000000">
+                      <a:alpha val="70000"/>
+                    </a:srgbClr>
+                  </a:outerShdw>
+                </a:effectLst>
+              </a:endParaRPr>
+            </a:p>
+          </p:txBody>
+        </p:sp>
+        <p:cxnSp>
+          <p:nvCxnSpPr>
+            <p:cNvPr id="88" name="직선 연결선 87"/>
+            <p:cNvCxnSpPr>
+              <a:stCxn id="66" idx="1"/>
+              <a:endCxn id="85" idx="6"/>
+            </p:cNvCxnSpPr>
+            <p:nvPr/>
+          </p:nvCxnSpPr>
+          <p:spPr>
+            <a:xfrm flipH="1">
+              <a:off x="5653334" y="2196185"/>
+              <a:ext cx="388298" cy="105805"/>
+            </a:xfrm>
+            <a:prstGeom prst="line">
+              <a:avLst/>
+            </a:prstGeom>
+            <a:ln>
+              <a:solidFill>
+                <a:schemeClr val="accent6">
+                  <a:lumMod val="75000"/>
+                </a:schemeClr>
+              </a:solidFill>
+            </a:ln>
+          </p:spPr>
+          <p:style>
+            <a:lnRef idx="2">
+              <a:schemeClr val="dk1"/>
+            </a:lnRef>
+            <a:fillRef idx="0">
+              <a:schemeClr val="dk1"/>
+            </a:fillRef>
+            <a:effectRef idx="1">
+              <a:schemeClr val="dk1"/>
+            </a:effectRef>
+            <a:fontRef idx="minor">
+              <a:schemeClr val="tx1"/>
+            </a:fontRef>
+          </p:style>
+        </p:cxnSp>
+      </p:grpSp>
+      <p:grpSp>
+        <p:nvGrpSpPr>
+          <p:cNvPr id="113" name="그룹 112"/>
+          <p:cNvGrpSpPr/>
+          <p:nvPr/>
+        </p:nvGrpSpPr>
+        <p:grpSpPr>
+          <a:xfrm>
+            <a:off x="-515288" y="4481736"/>
+            <a:ext cx="5565425" cy="2376264"/>
+            <a:chOff x="-621723" y="980728"/>
+            <a:chExt cx="5565425" cy="2376264"/>
+          </a:xfrm>
+        </p:grpSpPr>
+        <p:sp>
+          <p:nvSpPr>
+            <p:cNvPr id="114" name="타원 113"/>
+            <p:cNvSpPr/>
+            <p:nvPr/>
+          </p:nvSpPr>
+          <p:spPr>
+            <a:xfrm>
+              <a:off x="-621723" y="1183831"/>
+              <a:ext cx="1867998" cy="599639"/>
+            </a:xfrm>
+            <a:prstGeom prst="ellipse">
+              <a:avLst/>
+            </a:prstGeom>
+            <a:solidFill>
+              <a:schemeClr val="tx2">
+                <a:lumMod val="75000"/>
+              </a:schemeClr>
+            </a:solidFill>
+            <a:ln>
+              <a:noFill/>
+            </a:ln>
+          </p:spPr>
+          <p:style>
+            <a:lnRef idx="2">
+              <a:schemeClr val="accent3">
+                <a:shade val="50000"/>
+              </a:schemeClr>
+            </a:lnRef>
+            <a:fillRef idx="1">
+              <a:schemeClr val="accent3"/>
+            </a:fillRef>
+            <a:effectRef idx="0">
+              <a:schemeClr val="accent3"/>
+            </a:effectRef>
+            <a:fontRef idx="minor">
+              <a:schemeClr val="lt1"/>
+            </a:fontRef>
+          </p:style>
+          <p:txBody>
+            <a:bodyPr rot="0" spcFirstLastPara="0" vertOverflow="overflow" horzOverflow="overflow" vert="horz" wrap="square" lIns="91440" tIns="45720" rIns="91440" bIns="45720" numCol="1" spcCol="0" rtlCol="0" fromWordArt="0" anchor="ctr" anchorCtr="0" forceAA="0" compatLnSpc="1">
+              <a:prstTxWarp prst="textNoShape">
+                <a:avLst/>
+              </a:prstTxWarp>
+              <a:noAutofit/>
+            </a:bodyPr>
+            <a:lstStyle/>
+            <a:p>
+              <a:pPr algn="ctr"/>
+              <a:r>
+                <a:rPr lang="en-US" altLang="ko-KR" dirty="0" err="1" smtClean="0">
+                  <a:ln w="18415" cmpd="sng">
+                    <a:solidFill>
+                      <a:srgbClr val="FFFFFF"/>
+                    </a:solidFill>
+                    <a:prstDash val="solid"/>
+                  </a:ln>
+                  <a:solidFill>
+                    <a:srgbClr val="FFFFFF"/>
+                  </a:solidFill>
+                  <a:effectLst>
+                    <a:outerShdw blurRad="63500" dir="3600000" algn="tl" rotWithShape="0">
+                      <a:srgbClr val="000000">
+                        <a:alpha val="70000"/>
+                      </a:srgbClr>
+                    </a:outerShdw>
+                  </a:effectLst>
+                </a:rPr>
+                <a:t>Board_num</a:t>
+              </a:r>
+              <a:endParaRPr lang="ko-KR" altLang="en-US" dirty="0" err="1" smtClean="0">
+                <a:ln w="18415" cmpd="sng">
+                  <a:solidFill>
+                    <a:srgbClr val="FFFFFF"/>
+                  </a:solidFill>
+                  <a:prstDash val="solid"/>
+                </a:ln>
+                <a:solidFill>
+                  <a:srgbClr val="FFFFFF"/>
+                </a:solidFill>
+                <a:effectLst>
+                  <a:outerShdw blurRad="63500" dir="3600000" algn="tl" rotWithShape="0">
+                    <a:srgbClr val="000000">
+                      <a:alpha val="70000"/>
+                    </a:srgbClr>
+                  </a:outerShdw>
+                </a:effectLst>
+              </a:endParaRPr>
+            </a:p>
+          </p:txBody>
+        </p:sp>
+        <p:sp>
+          <p:nvSpPr>
+            <p:cNvPr id="115" name="타원 114"/>
+            <p:cNvSpPr/>
+            <p:nvPr/>
+          </p:nvSpPr>
+          <p:spPr>
+            <a:xfrm>
+              <a:off x="460434" y="2757353"/>
+              <a:ext cx="1629623" cy="599639"/>
+            </a:xfrm>
+            <a:prstGeom prst="ellipse">
+              <a:avLst/>
+            </a:prstGeom>
+            <a:solidFill>
+              <a:schemeClr val="tx2">
+                <a:lumMod val="75000"/>
+              </a:schemeClr>
+            </a:solidFill>
+            <a:ln>
+              <a:noFill/>
+            </a:ln>
+          </p:spPr>
+          <p:style>
+            <a:lnRef idx="2">
+              <a:schemeClr val="accent3">
+                <a:shade val="50000"/>
+              </a:schemeClr>
+            </a:lnRef>
+            <a:fillRef idx="1">
+              <a:schemeClr val="accent3"/>
+            </a:fillRef>
+            <a:effectRef idx="0">
+              <a:schemeClr val="accent3"/>
+            </a:effectRef>
+            <a:fontRef idx="minor">
+              <a:schemeClr val="lt1"/>
+            </a:fontRef>
+          </p:style>
+          <p:txBody>
+            <a:bodyPr rot="0" spcFirstLastPara="0" vertOverflow="overflow" horzOverflow="overflow" vert="horz" wrap="square" lIns="91440" tIns="45720" rIns="91440" bIns="45720" numCol="1" spcCol="0" rtlCol="0" fromWordArt="0" anchor="ctr" anchorCtr="0" forceAA="0" compatLnSpc="1">
+              <a:prstTxWarp prst="textNoShape">
+                <a:avLst/>
+              </a:prstTxWarp>
+              <a:noAutofit/>
+            </a:bodyPr>
+            <a:lstStyle/>
+            <a:p>
+              <a:pPr algn="ctr"/>
+              <a:r>
+                <a:rPr lang="en-US" altLang="ko-KR" dirty="0" err="1" smtClean="0">
+                  <a:ln w="18415" cmpd="sng">
+                    <a:solidFill>
+                      <a:srgbClr val="FFFFFF"/>
+                    </a:solidFill>
+                    <a:prstDash val="solid"/>
+                  </a:ln>
+                  <a:solidFill>
+                    <a:srgbClr val="FFFFFF"/>
+                  </a:solidFill>
+                  <a:effectLst>
+                    <a:outerShdw blurRad="63500" dir="3600000" algn="tl" rotWithShape="0">
+                      <a:srgbClr val="000000">
+                        <a:alpha val="70000"/>
+                      </a:srgbClr>
+                    </a:outerShdw>
+                  </a:effectLst>
+                </a:rPr>
+                <a:t>writedate</a:t>
+              </a:r>
+              <a:endParaRPr lang="ko-KR" altLang="en-US" dirty="0" err="1" smtClean="0">
+                <a:ln w="18415" cmpd="sng">
+                  <a:solidFill>
+                    <a:srgbClr val="FFFFFF"/>
+                  </a:solidFill>
+                  <a:prstDash val="solid"/>
+                </a:ln>
+                <a:solidFill>
+                  <a:srgbClr val="FFFFFF"/>
+                </a:solidFill>
+                <a:effectLst>
+                  <a:outerShdw blurRad="63500" dir="3600000" algn="tl" rotWithShape="0">
+                    <a:srgbClr val="000000">
+                      <a:alpha val="70000"/>
+                    </a:srgbClr>
+                  </a:outerShdw>
+                </a:effectLst>
+              </a:endParaRPr>
+            </a:p>
+          </p:txBody>
+        </p:sp>
+        <p:sp>
+          <p:nvSpPr>
+            <p:cNvPr id="116" name="타원 115"/>
+            <p:cNvSpPr/>
+            <p:nvPr/>
+          </p:nvSpPr>
+          <p:spPr>
+            <a:xfrm>
+              <a:off x="3137090" y="1221524"/>
+              <a:ext cx="1806612" cy="599639"/>
+            </a:xfrm>
+            <a:prstGeom prst="ellipse">
+              <a:avLst/>
+            </a:prstGeom>
+            <a:solidFill>
+              <a:schemeClr val="tx2">
+                <a:lumMod val="75000"/>
+              </a:schemeClr>
+            </a:solidFill>
+            <a:ln>
+              <a:noFill/>
+            </a:ln>
+          </p:spPr>
+          <p:style>
+            <a:lnRef idx="2">
+              <a:schemeClr val="accent3">
+                <a:shade val="50000"/>
+              </a:schemeClr>
+            </a:lnRef>
+            <a:fillRef idx="1">
+              <a:schemeClr val="accent3"/>
+            </a:fillRef>
+            <a:effectRef idx="0">
+              <a:schemeClr val="accent3"/>
+            </a:effectRef>
+            <a:fontRef idx="minor">
+              <a:schemeClr val="lt1"/>
+            </a:fontRef>
+          </p:style>
+          <p:txBody>
+            <a:bodyPr rot="0" spcFirstLastPara="0" vertOverflow="overflow" horzOverflow="overflow" vert="horz" wrap="square" lIns="91440" tIns="45720" rIns="91440" bIns="45720" numCol="1" spcCol="0" rtlCol="0" fromWordArt="0" anchor="ctr" anchorCtr="0" forceAA="0" compatLnSpc="1">
+              <a:prstTxWarp prst="textNoShape">
+                <a:avLst/>
+              </a:prstTxWarp>
+              <a:noAutofit/>
+            </a:bodyPr>
+            <a:lstStyle/>
+            <a:p>
+              <a:pPr algn="ctr"/>
+              <a:r>
+                <a:rPr lang="en-US" altLang="ko-KR" dirty="0" smtClean="0">
+                  <a:ln w="18415" cmpd="sng">
+                    <a:solidFill>
+                      <a:srgbClr val="FFFFFF"/>
+                    </a:solidFill>
+                    <a:prstDash val="solid"/>
+                  </a:ln>
+                  <a:solidFill>
+                    <a:srgbClr val="FFFFFF"/>
+                  </a:solidFill>
+                  <a:effectLst>
+                    <a:outerShdw blurRad="63500" dir="3600000" algn="tl" rotWithShape="0">
+                      <a:srgbClr val="000000">
+                        <a:alpha val="70000"/>
+                      </a:srgbClr>
+                    </a:outerShdw>
+                  </a:effectLst>
+                </a:rPr>
+                <a:t>email</a:t>
+              </a:r>
+              <a:endParaRPr lang="ko-KR" altLang="en-US" dirty="0" err="1" smtClean="0">
+                <a:ln w="18415" cmpd="sng">
+                  <a:solidFill>
+                    <a:srgbClr val="FFFFFF"/>
+                  </a:solidFill>
+                  <a:prstDash val="solid"/>
+                </a:ln>
+                <a:solidFill>
+                  <a:srgbClr val="FFFFFF"/>
+                </a:solidFill>
+                <a:effectLst>
+                  <a:outerShdw blurRad="63500" dir="3600000" algn="tl" rotWithShape="0">
+                    <a:srgbClr val="000000">
+                      <a:alpha val="70000"/>
+                    </a:srgbClr>
+                  </a:outerShdw>
+                </a:effectLst>
+              </a:endParaRPr>
+            </a:p>
+          </p:txBody>
+        </p:sp>
+        <p:sp>
+          <p:nvSpPr>
+            <p:cNvPr id="117" name="타원 116"/>
+            <p:cNvSpPr/>
+            <p:nvPr/>
+          </p:nvSpPr>
+          <p:spPr>
+            <a:xfrm>
+              <a:off x="2411760" y="2757352"/>
+              <a:ext cx="1371358" cy="599639"/>
+            </a:xfrm>
+            <a:prstGeom prst="ellipse">
+              <a:avLst/>
+            </a:prstGeom>
+            <a:solidFill>
+              <a:schemeClr val="tx2">
+                <a:lumMod val="75000"/>
+              </a:schemeClr>
+            </a:solidFill>
+            <a:ln>
+              <a:noFill/>
+            </a:ln>
+          </p:spPr>
+          <p:style>
+            <a:lnRef idx="2">
+              <a:schemeClr val="accent3">
+                <a:shade val="50000"/>
+              </a:schemeClr>
+            </a:lnRef>
+            <a:fillRef idx="1">
+              <a:schemeClr val="accent3"/>
+            </a:fillRef>
+            <a:effectRef idx="0">
+              <a:schemeClr val="accent3"/>
+            </a:effectRef>
+            <a:fontRef idx="minor">
+              <a:schemeClr val="lt1"/>
+            </a:fontRef>
+          </p:style>
+          <p:txBody>
+            <a:bodyPr rot="0" spcFirstLastPara="0" vertOverflow="overflow" horzOverflow="overflow" vert="horz" wrap="square" lIns="91440" tIns="45720" rIns="91440" bIns="45720" numCol="1" spcCol="0" rtlCol="0" fromWordArt="0" anchor="ctr" anchorCtr="0" forceAA="0" compatLnSpc="1">
+              <a:prstTxWarp prst="textNoShape">
+                <a:avLst/>
+              </a:prstTxWarp>
+              <a:noAutofit/>
+            </a:bodyPr>
+            <a:lstStyle/>
+            <a:p>
+              <a:pPr algn="ctr"/>
+              <a:r>
+                <a:rPr lang="en-US" altLang="ko-KR" dirty="0" smtClean="0">
+                  <a:ln w="18415" cmpd="sng">
+                    <a:solidFill>
+                      <a:srgbClr val="FFFFFF"/>
+                    </a:solidFill>
+                    <a:prstDash val="solid"/>
+                  </a:ln>
+                  <a:solidFill>
+                    <a:srgbClr val="FFFFFF"/>
+                  </a:solidFill>
+                  <a:effectLst>
+                    <a:outerShdw blurRad="63500" dir="3600000" algn="tl" rotWithShape="0">
+                      <a:srgbClr val="000000">
+                        <a:alpha val="70000"/>
+                      </a:srgbClr>
+                    </a:outerShdw>
+                  </a:effectLst>
+                </a:rPr>
+                <a:t>content</a:t>
+              </a:r>
+              <a:endParaRPr lang="ko-KR" altLang="en-US" dirty="0" err="1" smtClean="0">
+                <a:ln w="18415" cmpd="sng">
+                  <a:solidFill>
+                    <a:srgbClr val="FFFFFF"/>
+                  </a:solidFill>
+                  <a:prstDash val="solid"/>
+                </a:ln>
+                <a:solidFill>
+                  <a:srgbClr val="FFFFFF"/>
+                </a:solidFill>
+                <a:effectLst>
+                  <a:outerShdw blurRad="63500" dir="3600000" algn="tl" rotWithShape="0">
+                    <a:srgbClr val="000000">
+                      <a:alpha val="70000"/>
+                    </a:srgbClr>
+                  </a:outerShdw>
+                </a:effectLst>
+              </a:endParaRPr>
+            </a:p>
+          </p:txBody>
+        </p:sp>
+        <p:cxnSp>
+          <p:nvCxnSpPr>
+            <p:cNvPr id="118" name="직선 연결선 117"/>
+            <p:cNvCxnSpPr>
+              <a:stCxn id="114" idx="5"/>
+            </p:cNvCxnSpPr>
+            <p:nvPr/>
+          </p:nvCxnSpPr>
+          <p:spPr>
+            <a:xfrm>
+              <a:off x="972713" y="1695655"/>
+              <a:ext cx="369635" cy="325330"/>
+            </a:xfrm>
+            <a:prstGeom prst="line">
+              <a:avLst/>
+            </a:prstGeom>
+            <a:ln>
+              <a:solidFill>
+                <a:schemeClr val="accent6">
+                  <a:lumMod val="75000"/>
+                </a:schemeClr>
+              </a:solidFill>
+            </a:ln>
+          </p:spPr>
+          <p:style>
+            <a:lnRef idx="2">
+              <a:schemeClr val="dk1"/>
+            </a:lnRef>
+            <a:fillRef idx="0">
+              <a:schemeClr val="dk1"/>
+            </a:fillRef>
+            <a:effectRef idx="1">
+              <a:schemeClr val="dk1"/>
+            </a:effectRef>
+            <a:fontRef idx="minor">
+              <a:schemeClr val="tx1"/>
+            </a:fontRef>
+          </p:style>
+        </p:cxnSp>
+        <p:cxnSp>
+          <p:nvCxnSpPr>
+            <p:cNvPr id="119" name="직선 연결선 118"/>
+            <p:cNvCxnSpPr>
+              <a:stCxn id="115" idx="0"/>
+            </p:cNvCxnSpPr>
+            <p:nvPr/>
+          </p:nvCxnSpPr>
+          <p:spPr>
+            <a:xfrm flipV="1">
+              <a:off x="1275246" y="2420889"/>
+              <a:ext cx="320547" cy="336464"/>
+            </a:xfrm>
+            <a:prstGeom prst="line">
+              <a:avLst/>
+            </a:prstGeom>
+            <a:ln>
+              <a:solidFill>
+                <a:schemeClr val="accent6">
+                  <a:lumMod val="75000"/>
+                </a:schemeClr>
+              </a:solidFill>
+            </a:ln>
+          </p:spPr>
+          <p:style>
+            <a:lnRef idx="2">
+              <a:schemeClr val="dk1"/>
+            </a:lnRef>
+            <a:fillRef idx="0">
+              <a:schemeClr val="dk1"/>
+            </a:fillRef>
+            <a:effectRef idx="1">
+              <a:schemeClr val="dk1"/>
+            </a:effectRef>
+            <a:fontRef idx="minor">
+              <a:schemeClr val="tx1"/>
+            </a:fontRef>
+          </p:style>
+        </p:cxnSp>
+        <p:cxnSp>
+          <p:nvCxnSpPr>
+            <p:cNvPr id="120" name="직선 연결선 119"/>
+            <p:cNvCxnSpPr>
+              <a:stCxn id="117" idx="0"/>
+            </p:cNvCxnSpPr>
+            <p:nvPr/>
+          </p:nvCxnSpPr>
+          <p:spPr>
+            <a:xfrm flipH="1" flipV="1">
+              <a:off x="2771801" y="2420888"/>
+              <a:ext cx="325638" cy="336464"/>
+            </a:xfrm>
+            <a:prstGeom prst="line">
+              <a:avLst/>
+            </a:prstGeom>
+            <a:ln>
+              <a:solidFill>
+                <a:schemeClr val="accent6">
+                  <a:lumMod val="75000"/>
+                </a:schemeClr>
+              </a:solidFill>
+            </a:ln>
+          </p:spPr>
+          <p:style>
+            <a:lnRef idx="2">
+              <a:schemeClr val="dk1"/>
+            </a:lnRef>
+            <a:fillRef idx="0">
+              <a:schemeClr val="dk1"/>
+            </a:fillRef>
+            <a:effectRef idx="1">
+              <a:schemeClr val="dk1"/>
+            </a:effectRef>
+            <a:fontRef idx="minor">
+              <a:schemeClr val="tx1"/>
+            </a:fontRef>
+          </p:style>
+        </p:cxnSp>
+        <p:cxnSp>
+          <p:nvCxnSpPr>
+            <p:cNvPr id="121" name="직선 연결선 120"/>
+            <p:cNvCxnSpPr>
+              <a:stCxn id="116" idx="3"/>
+            </p:cNvCxnSpPr>
+            <p:nvPr/>
+          </p:nvCxnSpPr>
+          <p:spPr>
+            <a:xfrm flipH="1">
+              <a:off x="3029078" y="1733348"/>
+              <a:ext cx="372584" cy="325331"/>
+            </a:xfrm>
+            <a:prstGeom prst="line">
+              <a:avLst/>
+            </a:prstGeom>
+            <a:ln>
+              <a:solidFill>
+                <a:schemeClr val="accent6">
+                  <a:lumMod val="75000"/>
+                </a:schemeClr>
+              </a:solidFill>
+            </a:ln>
+          </p:spPr>
+          <p:style>
+            <a:lnRef idx="2">
+              <a:schemeClr val="dk1"/>
+            </a:lnRef>
+            <a:fillRef idx="0">
+              <a:schemeClr val="dk1"/>
+            </a:fillRef>
+            <a:effectRef idx="1">
+              <a:schemeClr val="dk1"/>
+            </a:effectRef>
+            <a:fontRef idx="minor">
+              <a:schemeClr val="tx1"/>
+            </a:fontRef>
+          </p:style>
+        </p:cxnSp>
+        <p:sp>
+          <p:nvSpPr>
+            <p:cNvPr id="122" name="타원 121"/>
+            <p:cNvSpPr/>
+            <p:nvPr/>
+          </p:nvSpPr>
+          <p:spPr>
+            <a:xfrm>
+              <a:off x="1246275" y="980728"/>
+              <a:ext cx="1851164" cy="599639"/>
+            </a:xfrm>
+            <a:prstGeom prst="ellipse">
+              <a:avLst/>
+            </a:prstGeom>
+            <a:solidFill>
+              <a:schemeClr val="tx2">
+                <a:lumMod val="75000"/>
+              </a:schemeClr>
+            </a:solidFill>
+            <a:ln>
+              <a:noFill/>
+            </a:ln>
+          </p:spPr>
+          <p:style>
+            <a:lnRef idx="2">
+              <a:schemeClr val="accent3">
+                <a:shade val="50000"/>
+              </a:schemeClr>
+            </a:lnRef>
+            <a:fillRef idx="1">
+              <a:schemeClr val="accent3"/>
+            </a:fillRef>
+            <a:effectRef idx="0">
+              <a:schemeClr val="accent3"/>
+            </a:effectRef>
+            <a:fontRef idx="minor">
+              <a:schemeClr val="lt1"/>
+            </a:fontRef>
+          </p:style>
+          <p:txBody>
+            <a:bodyPr rot="0" spcFirstLastPara="0" vertOverflow="overflow" horzOverflow="overflow" vert="horz" wrap="square" lIns="91440" tIns="45720" rIns="91440" bIns="45720" numCol="1" spcCol="0" rtlCol="0" fromWordArt="0" anchor="ctr" anchorCtr="0" forceAA="0" compatLnSpc="1">
+              <a:prstTxWarp prst="textNoShape">
+                <a:avLst/>
+              </a:prstTxWarp>
+              <a:noAutofit/>
+            </a:bodyPr>
+            <a:lstStyle/>
+            <a:p>
+              <a:pPr algn="ctr"/>
+              <a:r>
+                <a:rPr lang="en-US" altLang="ko-KR" u="sng" dirty="0" err="1" smtClean="0">
+                  <a:ln w="18415" cmpd="sng">
+                    <a:solidFill>
+                      <a:srgbClr val="FFFFFF"/>
+                    </a:solidFill>
+                    <a:prstDash val="solid"/>
+                  </a:ln>
+                  <a:solidFill>
+                    <a:srgbClr val="FFFFFF"/>
+                  </a:solidFill>
+                  <a:effectLst>
+                    <a:outerShdw blurRad="63500" dir="3600000" algn="tl" rotWithShape="0">
+                      <a:srgbClr val="000000">
+                        <a:alpha val="70000"/>
+                      </a:srgbClr>
+                    </a:outerShdw>
+                  </a:effectLst>
+                </a:rPr>
+                <a:t>Reply_Num</a:t>
+              </a:r>
+              <a:endParaRPr lang="ko-KR" altLang="en-US" u="sng" dirty="0" err="1" smtClean="0">
+                <a:ln w="18415" cmpd="sng">
+                  <a:solidFill>
+                    <a:srgbClr val="FFFFFF"/>
+                  </a:solidFill>
+                  <a:prstDash val="solid"/>
+                </a:ln>
+                <a:solidFill>
+                  <a:srgbClr val="FFFFFF"/>
+                </a:solidFill>
+                <a:effectLst>
+                  <a:outerShdw blurRad="63500" dir="3600000" algn="tl" rotWithShape="0">
+                    <a:srgbClr val="000000">
+                      <a:alpha val="70000"/>
+                    </a:srgbClr>
+                  </a:outerShdw>
+                </a:effectLst>
+              </a:endParaRPr>
+            </a:p>
+          </p:txBody>
+        </p:sp>
+        <p:cxnSp>
+          <p:nvCxnSpPr>
+            <p:cNvPr id="123" name="직선 연결선 122"/>
+            <p:cNvCxnSpPr>
+              <a:stCxn id="124" idx="0"/>
+              <a:endCxn id="122" idx="4"/>
+            </p:cNvCxnSpPr>
+            <p:nvPr/>
+          </p:nvCxnSpPr>
+          <p:spPr>
+            <a:xfrm flipH="1" flipV="1">
+              <a:off x="2171857" y="1580367"/>
+              <a:ext cx="1" cy="336465"/>
+            </a:xfrm>
+            <a:prstGeom prst="line">
+              <a:avLst/>
+            </a:prstGeom>
+            <a:ln>
+              <a:solidFill>
+                <a:schemeClr val="accent6">
+                  <a:lumMod val="75000"/>
+                </a:schemeClr>
+              </a:solidFill>
+            </a:ln>
+          </p:spPr>
+          <p:style>
+            <a:lnRef idx="2">
+              <a:schemeClr val="dk1"/>
+            </a:lnRef>
+            <a:fillRef idx="0">
+              <a:schemeClr val="dk1"/>
+            </a:fillRef>
+            <a:effectRef idx="1">
+              <a:schemeClr val="dk1"/>
+            </a:effectRef>
+            <a:fontRef idx="minor">
+              <a:schemeClr val="tx1"/>
+            </a:fontRef>
+          </p:style>
+        </p:cxnSp>
+        <p:sp>
+          <p:nvSpPr>
+            <p:cNvPr id="124" name="직사각형 123"/>
+            <p:cNvSpPr/>
+            <p:nvPr/>
+          </p:nvSpPr>
+          <p:spPr>
+            <a:xfrm>
+              <a:off x="1187624" y="1916832"/>
+              <a:ext cx="1968467" cy="504056"/>
+            </a:xfrm>
+            <a:prstGeom prst="rect">
+              <a:avLst/>
+            </a:prstGeom>
+            <a:solidFill>
+              <a:schemeClr val="accent3">
+                <a:lumMod val="75000"/>
+              </a:schemeClr>
+            </a:solidFill>
+            <a:ln>
+              <a:noFill/>
+            </a:ln>
+          </p:spPr>
+          <p:style>
+            <a:lnRef idx="2">
+              <a:schemeClr val="accent3">
+                <a:shade val="50000"/>
+              </a:schemeClr>
+            </a:lnRef>
+            <a:fillRef idx="1">
+              <a:schemeClr val="accent3"/>
+            </a:fillRef>
+            <a:effectRef idx="0">
+              <a:schemeClr val="accent3"/>
+            </a:effectRef>
+            <a:fontRef idx="minor">
+              <a:schemeClr val="lt1"/>
+            </a:fontRef>
+          </p:style>
+          <p:txBody>
+            <a:bodyPr rtlCol="0" anchor="ctr"/>
+            <a:lstStyle/>
+            <a:p>
+              <a:pPr algn="ctr"/>
+              <a:r>
+                <a:rPr lang="en-US" altLang="ko-KR" dirty="0" smtClean="0">
+                  <a:ln w="18415" cmpd="sng">
+                    <a:solidFill>
+                      <a:srgbClr val="FFFFFF"/>
+                    </a:solidFill>
+                    <a:prstDash val="solid"/>
+                  </a:ln>
+                  <a:solidFill>
+                    <a:srgbClr val="FFFFFF"/>
+                  </a:solidFill>
+                  <a:effectLst>
+                    <a:outerShdw blurRad="63500" dir="3600000" algn="tl" rotWithShape="0">
+                      <a:srgbClr val="000000">
+                        <a:alpha val="70000"/>
+                      </a:srgbClr>
+                    </a:outerShdw>
+                  </a:effectLst>
+                </a:rPr>
+                <a:t>Reply</a:t>
+              </a:r>
+              <a:endParaRPr lang="ko-KR" altLang="en-US" dirty="0"/>
+            </a:p>
+          </p:txBody>
+        </p:sp>
+      </p:grpSp>
+      <p:grpSp>
+        <p:nvGrpSpPr>
+          <p:cNvPr id="140" name="그룹 139"/>
+          <p:cNvGrpSpPr/>
+          <p:nvPr/>
+        </p:nvGrpSpPr>
+        <p:grpSpPr>
+          <a:xfrm>
+            <a:off x="5322821" y="4481736"/>
+            <a:ext cx="5770699" cy="2376264"/>
+            <a:chOff x="-734998" y="980728"/>
+            <a:chExt cx="5770699" cy="2376264"/>
+          </a:xfrm>
+        </p:grpSpPr>
+        <p:sp>
+          <p:nvSpPr>
+            <p:cNvPr id="141" name="타원 140"/>
+            <p:cNvSpPr/>
+            <p:nvPr/>
+          </p:nvSpPr>
+          <p:spPr>
+            <a:xfrm>
+              <a:off x="-734998" y="1395835"/>
+              <a:ext cx="1867998" cy="599639"/>
+            </a:xfrm>
+            <a:prstGeom prst="ellipse">
+              <a:avLst/>
+            </a:prstGeom>
+            <a:solidFill>
+              <a:schemeClr val="tx2">
+                <a:lumMod val="75000"/>
+              </a:schemeClr>
+            </a:solidFill>
+            <a:ln>
+              <a:noFill/>
+            </a:ln>
+          </p:spPr>
+          <p:style>
+            <a:lnRef idx="2">
+              <a:schemeClr val="accent3">
+                <a:shade val="50000"/>
+              </a:schemeClr>
+            </a:lnRef>
+            <a:fillRef idx="1">
+              <a:schemeClr val="accent3"/>
+            </a:fillRef>
+            <a:effectRef idx="0">
+              <a:schemeClr val="accent3"/>
+            </a:effectRef>
+            <a:fontRef idx="minor">
+              <a:schemeClr val="lt1"/>
+            </a:fontRef>
+          </p:style>
+          <p:txBody>
+            <a:bodyPr rot="0" spcFirstLastPara="0" vertOverflow="overflow" horzOverflow="overflow" vert="horz" wrap="square" lIns="91440" tIns="45720" rIns="91440" bIns="45720" numCol="1" spcCol="0" rtlCol="0" fromWordArt="0" anchor="ctr" anchorCtr="0" forceAA="0" compatLnSpc="1">
+              <a:prstTxWarp prst="textNoShape">
+                <a:avLst/>
+              </a:prstTxWarp>
+              <a:noAutofit/>
+            </a:bodyPr>
+            <a:lstStyle/>
+            <a:p>
+              <a:pPr algn="ctr"/>
+              <a:r>
+                <a:rPr lang="en-US" altLang="ko-KR" dirty="0" smtClean="0">
+                  <a:ln w="18415" cmpd="sng">
+                    <a:solidFill>
+                      <a:srgbClr val="FFFFFF"/>
+                    </a:solidFill>
+                    <a:prstDash val="solid"/>
+                  </a:ln>
+                  <a:solidFill>
+                    <a:srgbClr val="FFFFFF"/>
+                  </a:solidFill>
+                  <a:effectLst>
+                    <a:outerShdw blurRad="63500" dir="3600000" algn="tl" rotWithShape="0">
+                      <a:srgbClr val="000000">
+                        <a:alpha val="70000"/>
+                      </a:srgbClr>
+                    </a:outerShdw>
+                  </a:effectLst>
+                </a:rPr>
+                <a:t>kinds</a:t>
+              </a:r>
+              <a:endParaRPr lang="ko-KR" altLang="en-US" dirty="0" err="1" smtClean="0">
+                <a:ln w="18415" cmpd="sng">
+                  <a:solidFill>
+                    <a:srgbClr val="FFFFFF"/>
+                  </a:solidFill>
+                  <a:prstDash val="solid"/>
+                </a:ln>
+                <a:solidFill>
+                  <a:srgbClr val="FFFFFF"/>
+                </a:solidFill>
+                <a:effectLst>
+                  <a:outerShdw blurRad="63500" dir="3600000" algn="tl" rotWithShape="0">
+                    <a:srgbClr val="000000">
+                      <a:alpha val="70000"/>
+                    </a:srgbClr>
+                  </a:outerShdw>
+                </a:effectLst>
+              </a:endParaRPr>
+            </a:p>
+          </p:txBody>
+        </p:sp>
+        <p:sp>
+          <p:nvSpPr>
+            <p:cNvPr id="142" name="타원 141"/>
+            <p:cNvSpPr/>
+            <p:nvPr/>
+          </p:nvSpPr>
+          <p:spPr>
+            <a:xfrm>
+              <a:off x="244248" y="2757353"/>
+              <a:ext cx="1845810" cy="599639"/>
+            </a:xfrm>
+            <a:prstGeom prst="ellipse">
+              <a:avLst/>
+            </a:prstGeom>
+            <a:solidFill>
+              <a:schemeClr val="tx2">
+                <a:lumMod val="75000"/>
+              </a:schemeClr>
+            </a:solidFill>
+            <a:ln>
+              <a:noFill/>
+            </a:ln>
+          </p:spPr>
+          <p:style>
+            <a:lnRef idx="2">
+              <a:schemeClr val="accent3">
+                <a:shade val="50000"/>
+              </a:schemeClr>
+            </a:lnRef>
+            <a:fillRef idx="1">
+              <a:schemeClr val="accent3"/>
+            </a:fillRef>
+            <a:effectRef idx="0">
+              <a:schemeClr val="accent3"/>
+            </a:effectRef>
+            <a:fontRef idx="minor">
+              <a:schemeClr val="lt1"/>
+            </a:fontRef>
+          </p:style>
+          <p:txBody>
+            <a:bodyPr rot="0" spcFirstLastPara="0" vertOverflow="overflow" horzOverflow="overflow" vert="horz" wrap="square" lIns="91440" tIns="45720" rIns="91440" bIns="45720" numCol="1" spcCol="0" rtlCol="0" fromWordArt="0" anchor="ctr" anchorCtr="0" forceAA="0" compatLnSpc="1">
+              <a:prstTxWarp prst="textNoShape">
+                <a:avLst/>
+              </a:prstTxWarp>
+              <a:noAutofit/>
+            </a:bodyPr>
+            <a:lstStyle/>
+            <a:p>
+              <a:pPr algn="ctr"/>
+              <a:r>
+                <a:rPr lang="en-US" altLang="ko-KR" dirty="0" smtClean="0">
+                  <a:ln w="18415" cmpd="sng">
+                    <a:solidFill>
+                      <a:srgbClr val="FFFFFF"/>
+                    </a:solidFill>
+                    <a:prstDash val="solid"/>
+                  </a:ln>
+                  <a:solidFill>
+                    <a:srgbClr val="FFFFFF"/>
+                  </a:solidFill>
+                  <a:effectLst>
+                    <a:outerShdw blurRad="63500" dir="3600000" algn="tl" rotWithShape="0">
+                      <a:srgbClr val="000000">
+                        <a:alpha val="70000"/>
+                      </a:srgbClr>
+                    </a:outerShdw>
+                  </a:effectLst>
+                </a:rPr>
+                <a:t>comments</a:t>
+              </a:r>
+              <a:endParaRPr lang="ko-KR" altLang="en-US" dirty="0" err="1" smtClean="0">
+                <a:ln w="18415" cmpd="sng">
+                  <a:solidFill>
+                    <a:srgbClr val="FFFFFF"/>
+                  </a:solidFill>
+                  <a:prstDash val="solid"/>
+                </a:ln>
+                <a:solidFill>
+                  <a:srgbClr val="FFFFFF"/>
+                </a:solidFill>
+                <a:effectLst>
+                  <a:outerShdw blurRad="63500" dir="3600000" algn="tl" rotWithShape="0">
+                    <a:srgbClr val="000000">
+                      <a:alpha val="70000"/>
+                    </a:srgbClr>
+                  </a:outerShdw>
+                </a:effectLst>
+              </a:endParaRPr>
+            </a:p>
+          </p:txBody>
+        </p:sp>
+        <p:sp>
+          <p:nvSpPr>
+            <p:cNvPr id="143" name="타원 142"/>
+            <p:cNvSpPr/>
+            <p:nvPr/>
+          </p:nvSpPr>
+          <p:spPr>
+            <a:xfrm>
+              <a:off x="3229089" y="1395834"/>
+              <a:ext cx="1806612" cy="599639"/>
+            </a:xfrm>
+            <a:prstGeom prst="ellipse">
+              <a:avLst/>
+            </a:prstGeom>
+            <a:solidFill>
+              <a:schemeClr val="tx2">
+                <a:lumMod val="75000"/>
+              </a:schemeClr>
+            </a:solidFill>
+            <a:ln>
+              <a:noFill/>
+            </a:ln>
+          </p:spPr>
+          <p:style>
+            <a:lnRef idx="2">
+              <a:schemeClr val="accent3">
+                <a:shade val="50000"/>
+              </a:schemeClr>
+            </a:lnRef>
+            <a:fillRef idx="1">
+              <a:schemeClr val="accent3"/>
+            </a:fillRef>
+            <a:effectRef idx="0">
+              <a:schemeClr val="accent3"/>
+            </a:effectRef>
+            <a:fontRef idx="minor">
+              <a:schemeClr val="lt1"/>
+            </a:fontRef>
+          </p:style>
+          <p:txBody>
+            <a:bodyPr rot="0" spcFirstLastPara="0" vertOverflow="overflow" horzOverflow="overflow" vert="horz" wrap="square" lIns="91440" tIns="45720" rIns="91440" bIns="45720" numCol="1" spcCol="0" rtlCol="0" fromWordArt="0" anchor="ctr" anchorCtr="0" forceAA="0" compatLnSpc="1">
+              <a:prstTxWarp prst="textNoShape">
+                <a:avLst/>
+              </a:prstTxWarp>
+              <a:noAutofit/>
+            </a:bodyPr>
+            <a:lstStyle/>
+            <a:p>
+              <a:pPr algn="ctr"/>
+              <a:r>
+                <a:rPr lang="en-US" altLang="ko-KR" dirty="0" smtClean="0">
+                  <a:ln w="18415" cmpd="sng">
+                    <a:solidFill>
+                      <a:srgbClr val="FFFFFF"/>
+                    </a:solidFill>
+                    <a:prstDash val="solid"/>
+                  </a:ln>
+                  <a:solidFill>
+                    <a:srgbClr val="FFFFFF"/>
+                  </a:solidFill>
+                  <a:effectLst>
+                    <a:outerShdw blurRad="63500" dir="3600000" algn="tl" rotWithShape="0">
+                      <a:srgbClr val="000000">
+                        <a:alpha val="70000"/>
+                      </a:srgbClr>
+                    </a:outerShdw>
+                  </a:effectLst>
+                </a:rPr>
+                <a:t>name</a:t>
+              </a:r>
+              <a:endParaRPr lang="ko-KR" altLang="en-US" dirty="0" err="1" smtClean="0">
+                <a:ln w="18415" cmpd="sng">
+                  <a:solidFill>
+                    <a:srgbClr val="FFFFFF"/>
+                  </a:solidFill>
+                  <a:prstDash val="solid"/>
+                </a:ln>
+                <a:solidFill>
+                  <a:srgbClr val="FFFFFF"/>
+                </a:solidFill>
+                <a:effectLst>
+                  <a:outerShdw blurRad="63500" dir="3600000" algn="tl" rotWithShape="0">
+                    <a:srgbClr val="000000">
+                      <a:alpha val="70000"/>
+                    </a:srgbClr>
+                  </a:outerShdw>
+                </a:effectLst>
+              </a:endParaRPr>
+            </a:p>
+          </p:txBody>
+        </p:sp>
+        <p:sp>
+          <p:nvSpPr>
+            <p:cNvPr id="144" name="타원 143"/>
+            <p:cNvSpPr/>
+            <p:nvPr/>
+          </p:nvSpPr>
+          <p:spPr>
+            <a:xfrm>
+              <a:off x="2411760" y="2757352"/>
+              <a:ext cx="1371358" cy="599639"/>
+            </a:xfrm>
+            <a:prstGeom prst="ellipse">
+              <a:avLst/>
+            </a:prstGeom>
+            <a:solidFill>
+              <a:schemeClr val="tx2">
+                <a:lumMod val="75000"/>
+              </a:schemeClr>
+            </a:solidFill>
+            <a:ln>
+              <a:noFill/>
+            </a:ln>
+          </p:spPr>
+          <p:style>
+            <a:lnRef idx="2">
+              <a:schemeClr val="accent3">
+                <a:shade val="50000"/>
+              </a:schemeClr>
+            </a:lnRef>
+            <a:fillRef idx="1">
+              <a:schemeClr val="accent3"/>
+            </a:fillRef>
+            <a:effectRef idx="0">
+              <a:schemeClr val="accent3"/>
+            </a:effectRef>
+            <a:fontRef idx="minor">
+              <a:schemeClr val="lt1"/>
+            </a:fontRef>
+          </p:style>
+          <p:txBody>
+            <a:bodyPr rot="0" spcFirstLastPara="0" vertOverflow="overflow" horzOverflow="overflow" vert="horz" wrap="square" lIns="91440" tIns="45720" rIns="91440" bIns="45720" numCol="1" spcCol="0" rtlCol="0" fromWordArt="0" anchor="ctr" anchorCtr="0" forceAA="0" compatLnSpc="1">
+              <a:prstTxWarp prst="textNoShape">
+                <a:avLst/>
+              </a:prstTxWarp>
+              <a:noAutofit/>
+            </a:bodyPr>
+            <a:lstStyle/>
+            <a:p>
+              <a:pPr algn="ctr"/>
+              <a:r>
+                <a:rPr lang="en-US" altLang="ko-KR" dirty="0" smtClean="0">
+                  <a:ln w="18415" cmpd="sng">
+                    <a:solidFill>
+                      <a:srgbClr val="FFFFFF"/>
+                    </a:solidFill>
+                    <a:prstDash val="solid"/>
+                  </a:ln>
+                  <a:solidFill>
+                    <a:srgbClr val="FFFFFF"/>
+                  </a:solidFill>
+                  <a:effectLst>
+                    <a:outerShdw blurRad="63500" dir="3600000" algn="tl" rotWithShape="0">
+                      <a:srgbClr val="000000">
+                        <a:alpha val="70000"/>
+                      </a:srgbClr>
+                    </a:outerShdw>
+                  </a:effectLst>
+                </a:rPr>
+                <a:t>price</a:t>
+              </a:r>
+              <a:endParaRPr lang="ko-KR" altLang="en-US" dirty="0" err="1" smtClean="0">
+                <a:ln w="18415" cmpd="sng">
+                  <a:solidFill>
+                    <a:srgbClr val="FFFFFF"/>
+                  </a:solidFill>
+                  <a:prstDash val="solid"/>
+                </a:ln>
+                <a:solidFill>
+                  <a:srgbClr val="FFFFFF"/>
+                </a:solidFill>
+                <a:effectLst>
+                  <a:outerShdw blurRad="63500" dir="3600000" algn="tl" rotWithShape="0">
+                    <a:srgbClr val="000000">
+                      <a:alpha val="70000"/>
+                    </a:srgbClr>
+                  </a:outerShdw>
+                </a:effectLst>
+              </a:endParaRPr>
+            </a:p>
+          </p:txBody>
+        </p:sp>
+        <p:cxnSp>
+          <p:nvCxnSpPr>
+            <p:cNvPr id="145" name="직선 연결선 144"/>
+            <p:cNvCxnSpPr>
+              <a:stCxn id="141" idx="5"/>
+            </p:cNvCxnSpPr>
+            <p:nvPr/>
+          </p:nvCxnSpPr>
+          <p:spPr>
+            <a:xfrm>
+              <a:off x="859438" y="1907659"/>
+              <a:ext cx="369635" cy="325330"/>
+            </a:xfrm>
+            <a:prstGeom prst="line">
+              <a:avLst/>
+            </a:prstGeom>
+            <a:ln>
+              <a:solidFill>
+                <a:schemeClr val="accent6">
+                  <a:lumMod val="75000"/>
+                </a:schemeClr>
+              </a:solidFill>
+            </a:ln>
+          </p:spPr>
+          <p:style>
+            <a:lnRef idx="2">
+              <a:schemeClr val="dk1"/>
+            </a:lnRef>
+            <a:fillRef idx="0">
+              <a:schemeClr val="dk1"/>
+            </a:fillRef>
+            <a:effectRef idx="1">
+              <a:schemeClr val="dk1"/>
+            </a:effectRef>
+            <a:fontRef idx="minor">
+              <a:schemeClr val="tx1"/>
+            </a:fontRef>
+          </p:style>
+        </p:cxnSp>
+        <p:cxnSp>
+          <p:nvCxnSpPr>
+            <p:cNvPr id="146" name="직선 연결선 145"/>
+            <p:cNvCxnSpPr>
+              <a:stCxn id="142" idx="0"/>
+            </p:cNvCxnSpPr>
+            <p:nvPr/>
+          </p:nvCxnSpPr>
+          <p:spPr>
+            <a:xfrm flipV="1">
+              <a:off x="1167153" y="2420889"/>
+              <a:ext cx="428640" cy="336464"/>
+            </a:xfrm>
+            <a:prstGeom prst="line">
+              <a:avLst/>
+            </a:prstGeom>
+            <a:ln>
+              <a:solidFill>
+                <a:schemeClr val="accent6">
+                  <a:lumMod val="75000"/>
+                </a:schemeClr>
+              </a:solidFill>
+            </a:ln>
+          </p:spPr>
+          <p:style>
+            <a:lnRef idx="2">
+              <a:schemeClr val="dk1"/>
+            </a:lnRef>
+            <a:fillRef idx="0">
+              <a:schemeClr val="dk1"/>
+            </a:fillRef>
+            <a:effectRef idx="1">
+              <a:schemeClr val="dk1"/>
+            </a:effectRef>
+            <a:fontRef idx="minor">
+              <a:schemeClr val="tx1"/>
+            </a:fontRef>
+          </p:style>
+        </p:cxnSp>
+        <p:cxnSp>
+          <p:nvCxnSpPr>
+            <p:cNvPr id="147" name="직선 연결선 146"/>
+            <p:cNvCxnSpPr>
+              <a:stCxn id="144" idx="0"/>
+            </p:cNvCxnSpPr>
+            <p:nvPr/>
+          </p:nvCxnSpPr>
+          <p:spPr>
+            <a:xfrm flipH="1" flipV="1">
+              <a:off x="2771801" y="2420888"/>
+              <a:ext cx="325638" cy="336464"/>
+            </a:xfrm>
+            <a:prstGeom prst="line">
+              <a:avLst/>
+            </a:prstGeom>
+            <a:ln>
+              <a:solidFill>
+                <a:schemeClr val="accent6">
+                  <a:lumMod val="75000"/>
+                </a:schemeClr>
+              </a:solidFill>
+            </a:ln>
+          </p:spPr>
+          <p:style>
+            <a:lnRef idx="2">
+              <a:schemeClr val="dk1"/>
+            </a:lnRef>
+            <a:fillRef idx="0">
+              <a:schemeClr val="dk1"/>
+            </a:fillRef>
+            <a:effectRef idx="1">
+              <a:schemeClr val="dk1"/>
+            </a:effectRef>
+            <a:fontRef idx="minor">
+              <a:schemeClr val="tx1"/>
+            </a:fontRef>
+          </p:style>
+        </p:cxnSp>
+        <p:cxnSp>
+          <p:nvCxnSpPr>
+            <p:cNvPr id="148" name="직선 연결선 147"/>
+            <p:cNvCxnSpPr>
+              <a:stCxn id="143" idx="3"/>
+            </p:cNvCxnSpPr>
+            <p:nvPr/>
+          </p:nvCxnSpPr>
+          <p:spPr>
+            <a:xfrm flipH="1">
+              <a:off x="3121077" y="1907658"/>
+              <a:ext cx="372584" cy="325331"/>
+            </a:xfrm>
+            <a:prstGeom prst="line">
+              <a:avLst/>
+            </a:prstGeom>
+            <a:ln>
+              <a:solidFill>
+                <a:schemeClr val="accent6">
+                  <a:lumMod val="75000"/>
+                </a:schemeClr>
+              </a:solidFill>
+            </a:ln>
+          </p:spPr>
+          <p:style>
+            <a:lnRef idx="2">
+              <a:schemeClr val="dk1"/>
+            </a:lnRef>
+            <a:fillRef idx="0">
+              <a:schemeClr val="dk1"/>
+            </a:fillRef>
+            <a:effectRef idx="1">
+              <a:schemeClr val="dk1"/>
+            </a:effectRef>
+            <a:fontRef idx="minor">
+              <a:schemeClr val="tx1"/>
+            </a:fontRef>
+          </p:style>
+        </p:cxnSp>
+        <p:sp>
+          <p:nvSpPr>
+            <p:cNvPr id="149" name="타원 148"/>
+            <p:cNvSpPr/>
+            <p:nvPr/>
+          </p:nvSpPr>
+          <p:spPr>
+            <a:xfrm>
+              <a:off x="1114625" y="980728"/>
+              <a:ext cx="2114464" cy="599639"/>
+            </a:xfrm>
+            <a:prstGeom prst="ellipse">
+              <a:avLst/>
+            </a:prstGeom>
+            <a:solidFill>
+              <a:schemeClr val="tx2">
+                <a:lumMod val="75000"/>
+              </a:schemeClr>
+            </a:solidFill>
+            <a:ln>
+              <a:noFill/>
+            </a:ln>
+          </p:spPr>
+          <p:style>
+            <a:lnRef idx="2">
+              <a:schemeClr val="accent3">
+                <a:shade val="50000"/>
+              </a:schemeClr>
+            </a:lnRef>
+            <a:fillRef idx="1">
+              <a:schemeClr val="accent3"/>
+            </a:fillRef>
+            <a:effectRef idx="0">
+              <a:schemeClr val="accent3"/>
+            </a:effectRef>
+            <a:fontRef idx="minor">
+              <a:schemeClr val="lt1"/>
+            </a:fontRef>
+          </p:style>
+          <p:txBody>
+            <a:bodyPr rot="0" spcFirstLastPara="0" vertOverflow="overflow" horzOverflow="overflow" vert="horz" wrap="square" lIns="91440" tIns="45720" rIns="91440" bIns="45720" numCol="1" spcCol="0" rtlCol="0" fromWordArt="0" anchor="ctr" anchorCtr="0" forceAA="0" compatLnSpc="1">
+              <a:prstTxWarp prst="textNoShape">
+                <a:avLst/>
+              </a:prstTxWarp>
+              <a:noAutofit/>
+            </a:bodyPr>
+            <a:lstStyle/>
+            <a:p>
+              <a:pPr algn="ctr"/>
+              <a:r>
+                <a:rPr lang="en-US" altLang="ko-KR" u="sng" dirty="0" err="1" smtClean="0">
+                  <a:ln w="18415" cmpd="sng">
+                    <a:solidFill>
+                      <a:srgbClr val="FFFFFF"/>
+                    </a:solidFill>
+                    <a:prstDash val="solid"/>
+                  </a:ln>
+                  <a:solidFill>
+                    <a:srgbClr val="FFFFFF"/>
+                  </a:solidFill>
+                  <a:effectLst>
+                    <a:outerShdw blurRad="63500" dir="3600000" algn="tl" rotWithShape="0">
+                      <a:srgbClr val="000000">
+                        <a:alpha val="70000"/>
+                      </a:srgbClr>
+                    </a:outerShdw>
+                  </a:effectLst>
+                </a:rPr>
+                <a:t>Surgery_num</a:t>
+              </a:r>
+              <a:endParaRPr lang="ko-KR" altLang="en-US" u="sng" dirty="0" err="1" smtClean="0">
+                <a:ln w="18415" cmpd="sng">
+                  <a:solidFill>
+                    <a:srgbClr val="FFFFFF"/>
+                  </a:solidFill>
+                  <a:prstDash val="solid"/>
+                </a:ln>
+                <a:solidFill>
+                  <a:srgbClr val="FFFFFF"/>
+                </a:solidFill>
+                <a:effectLst>
+                  <a:outerShdw blurRad="63500" dir="3600000" algn="tl" rotWithShape="0">
+                    <a:srgbClr val="000000">
+                      <a:alpha val="70000"/>
+                    </a:srgbClr>
+                  </a:outerShdw>
+                </a:effectLst>
+              </a:endParaRPr>
+            </a:p>
+          </p:txBody>
+        </p:sp>
+        <p:cxnSp>
+          <p:nvCxnSpPr>
+            <p:cNvPr id="150" name="직선 연결선 149"/>
+            <p:cNvCxnSpPr>
+              <a:stCxn id="151" idx="0"/>
+              <a:endCxn id="149" idx="4"/>
+            </p:cNvCxnSpPr>
+            <p:nvPr/>
+          </p:nvCxnSpPr>
+          <p:spPr>
+            <a:xfrm flipH="1" flipV="1">
+              <a:off x="2171857" y="1580367"/>
+              <a:ext cx="1" cy="336465"/>
+            </a:xfrm>
+            <a:prstGeom prst="line">
+              <a:avLst/>
+            </a:prstGeom>
+            <a:ln>
+              <a:solidFill>
+                <a:schemeClr val="accent6">
+                  <a:lumMod val="75000"/>
+                </a:schemeClr>
+              </a:solidFill>
+            </a:ln>
+          </p:spPr>
+          <p:style>
+            <a:lnRef idx="2">
+              <a:schemeClr val="dk1"/>
+            </a:lnRef>
+            <a:fillRef idx="0">
+              <a:schemeClr val="dk1"/>
+            </a:fillRef>
+            <a:effectRef idx="1">
+              <a:schemeClr val="dk1"/>
+            </a:effectRef>
+            <a:fontRef idx="minor">
+              <a:schemeClr val="tx1"/>
+            </a:fontRef>
+          </p:style>
+        </p:cxnSp>
+        <p:sp>
+          <p:nvSpPr>
+            <p:cNvPr id="151" name="직사각형 150"/>
+            <p:cNvSpPr/>
+            <p:nvPr/>
+          </p:nvSpPr>
+          <p:spPr>
+            <a:xfrm>
+              <a:off x="1187624" y="1916832"/>
+              <a:ext cx="1968467" cy="504056"/>
+            </a:xfrm>
+            <a:prstGeom prst="rect">
+              <a:avLst/>
+            </a:prstGeom>
+            <a:solidFill>
+              <a:schemeClr val="accent3">
+                <a:lumMod val="75000"/>
+              </a:schemeClr>
+            </a:solidFill>
+            <a:ln>
+              <a:noFill/>
+            </a:ln>
+          </p:spPr>
+          <p:style>
+            <a:lnRef idx="2">
+              <a:schemeClr val="accent3">
+                <a:shade val="50000"/>
+              </a:schemeClr>
+            </a:lnRef>
+            <a:fillRef idx="1">
+              <a:schemeClr val="accent3"/>
+            </a:fillRef>
+            <a:effectRef idx="0">
+              <a:schemeClr val="accent3"/>
+            </a:effectRef>
+            <a:fontRef idx="minor">
+              <a:schemeClr val="lt1"/>
+            </a:fontRef>
+          </p:style>
+          <p:txBody>
+            <a:bodyPr rtlCol="0" anchor="ctr"/>
+            <a:lstStyle/>
+            <a:p>
+              <a:pPr algn="ctr"/>
+              <a:r>
+                <a:rPr lang="en-US" altLang="ko-KR" dirty="0" smtClean="0">
+                  <a:ln w="18415" cmpd="sng">
+                    <a:solidFill>
+                      <a:srgbClr val="FFFFFF"/>
+                    </a:solidFill>
+                    <a:prstDash val="solid"/>
+                  </a:ln>
+                  <a:solidFill>
+                    <a:srgbClr val="FFFFFF"/>
+                  </a:solidFill>
+                  <a:effectLst>
+                    <a:outerShdw blurRad="63500" dir="3600000" algn="tl" rotWithShape="0">
+                      <a:srgbClr val="000000">
+                        <a:alpha val="70000"/>
+                      </a:srgbClr>
+                    </a:outerShdw>
+                  </a:effectLst>
+                </a:rPr>
+                <a:t>Surgery</a:t>
+              </a:r>
+              <a:endParaRPr lang="ko-KR" altLang="en-US" dirty="0"/>
+            </a:p>
+          </p:txBody>
+        </p:sp>
+      </p:grpSp>
+    </p:spTree>
+    <p:extLst>
+      <p:ext uri="{BB962C8B-B14F-4D97-AF65-F5344CB8AC3E}">
+        <p14:creationId xmlns:p14="http://schemas.microsoft.com/office/powerpoint/2010/main" val="2611903767"/>
+      </p:ext>
+    </p:extLst>
+  </p:cSld>
+  <p:clrMapOvr>
+    <a:masterClrMapping/>
+  </p:clrMapOvr>
 </p:sld>
 </file>
 
@@ -9745,25 +12788,56 @@
     </a:fmtScheme>
   </a:themeElements>
   <a:objectDefaults>
+    <a:spDef>
+      <a:spPr>
+        <a:ln>
+          <a:noFill/>
+        </a:ln>
+      </a:spPr>
+      <a:bodyPr rtlCol="0" anchor="ctr"/>
+      <a:lstStyle>
+        <a:defPPr algn="ctr">
+          <a:defRPr dirty="0" err="1" smtClean="0"/>
+        </a:defPPr>
+      </a:lstStyle>
+      <a:style>
+        <a:lnRef idx="2">
+          <a:schemeClr val="accent3">
+            <a:shade val="50000"/>
+          </a:schemeClr>
+        </a:lnRef>
+        <a:fillRef idx="1">
+          <a:schemeClr val="accent3"/>
+        </a:fillRef>
+        <a:effectRef idx="0">
+          <a:schemeClr val="accent3"/>
+        </a:effectRef>
+        <a:fontRef idx="minor">
+          <a:schemeClr val="lt1"/>
+        </a:fontRef>
+      </a:style>
+    </a:spDef>
     <a:lnDef>
       <a:spPr>
-        <a:ln w="28575">
+        <a:ln>
           <a:solidFill>
-            <a:srgbClr val="FF0000"/>
+            <a:schemeClr val="accent6">
+              <a:lumMod val="75000"/>
+            </a:schemeClr>
           </a:solidFill>
         </a:ln>
       </a:spPr>
       <a:bodyPr/>
       <a:lstStyle/>
       <a:style>
-        <a:lnRef idx="1">
-          <a:schemeClr val="accent1"/>
+        <a:lnRef idx="2">
+          <a:schemeClr val="dk1"/>
         </a:lnRef>
         <a:fillRef idx="0">
-          <a:schemeClr val="accent1"/>
+          <a:schemeClr val="dk1"/>
         </a:fillRef>
-        <a:effectRef idx="0">
-          <a:schemeClr val="accent1"/>
+        <a:effectRef idx="1">
+          <a:schemeClr val="dk1"/>
         </a:effectRef>
         <a:fontRef idx="minor">
           <a:schemeClr val="tx1"/>
